--- a/CapstoneResearch/PredictingViolentThreat.pptx
+++ b/CapstoneResearch/PredictingViolentThreat.pptx
@@ -5,7 +5,7 @@
     <p:sldMasterId id="2147483720" r:id="rId1"/>
   </p:sldMasterIdLst>
   <p:notesMasterIdLst>
-    <p:notesMasterId r:id="rId13"/>
+    <p:notesMasterId r:id="rId16"/>
   </p:notesMasterIdLst>
   <p:sldIdLst>
     <p:sldId id="256" r:id="rId2"/>
@@ -15,10 +15,13 @@
     <p:sldId id="260" r:id="rId6"/>
     <p:sldId id="261" r:id="rId7"/>
     <p:sldId id="262" r:id="rId8"/>
-    <p:sldId id="263" r:id="rId9"/>
-    <p:sldId id="264" r:id="rId10"/>
-    <p:sldId id="265" r:id="rId11"/>
-    <p:sldId id="266" r:id="rId12"/>
+    <p:sldId id="267" r:id="rId9"/>
+    <p:sldId id="269" r:id="rId10"/>
+    <p:sldId id="263" r:id="rId11"/>
+    <p:sldId id="264" r:id="rId12"/>
+    <p:sldId id="268" r:id="rId13"/>
+    <p:sldId id="265" r:id="rId14"/>
+    <p:sldId id="266" r:id="rId15"/>
   </p:sldIdLst>
   <p:sldSz cx="9144000" cy="6858000" type="screen4x3"/>
   <p:notesSz cx="6858000" cy="9144000"/>
@@ -202,6 +205,7 @@
           <a:p>
             <a:fld id="{284C418C-ED53-4441-A9AE-99F2B7408F73}" type="datetimeFigureOut">
               <a:rPr lang="en-US" smtClean="0"/>
+              <a:pPr/>
               <a:t>2/3/2019</a:t>
             </a:fld>
             <a:endParaRPr lang="en-US"/>
@@ -363,6 +367,7 @@
           <a:p>
             <a:fld id="{0BAFC409-D1B3-46F0-A9B2-92E3E6B44254}" type="slidenum">
               <a:rPr lang="en-US" smtClean="0"/>
+              <a:pPr/>
               <a:t>‹#›</a:t>
             </a:fld>
             <a:endParaRPr lang="en-US"/>
@@ -640,6 +645,7 @@
           <a:p>
             <a:fld id="{2858395A-E288-433A-A593-20103D1A46A3}" type="datetimeFigureOut">
               <a:rPr lang="en-US" smtClean="0"/>
+              <a:pPr/>
               <a:t>2/3/2019</a:t>
             </a:fld>
             <a:endParaRPr lang="en-US"/>
@@ -682,6 +688,7 @@
           <a:p>
             <a:fld id="{A0ACEE88-84B4-4D9D-8850-232436A3B079}" type="slidenum">
               <a:rPr lang="en-US" smtClean="0"/>
+              <a:pPr/>
               <a:t>‹#›</a:t>
             </a:fld>
             <a:endParaRPr lang="en-US"/>
@@ -805,6 +812,7 @@
           <a:p>
             <a:fld id="{2858395A-E288-433A-A593-20103D1A46A3}" type="datetimeFigureOut">
               <a:rPr lang="en-US" smtClean="0"/>
+              <a:pPr/>
               <a:t>2/3/2019</a:t>
             </a:fld>
             <a:endParaRPr lang="en-US"/>
@@ -847,6 +855,7 @@
           <a:p>
             <a:fld id="{A0ACEE88-84B4-4D9D-8850-232436A3B079}" type="slidenum">
               <a:rPr lang="en-US" smtClean="0"/>
+              <a:pPr/>
               <a:t>‹#›</a:t>
             </a:fld>
             <a:endParaRPr lang="en-US"/>
@@ -980,6 +989,7 @@
           <a:p>
             <a:fld id="{2858395A-E288-433A-A593-20103D1A46A3}" type="datetimeFigureOut">
               <a:rPr lang="en-US" smtClean="0"/>
+              <a:pPr/>
               <a:t>2/3/2019</a:t>
             </a:fld>
             <a:endParaRPr lang="en-US"/>
@@ -1022,6 +1032,7 @@
           <a:p>
             <a:fld id="{A0ACEE88-84B4-4D9D-8850-232436A3B079}" type="slidenum">
               <a:rPr lang="en-US" smtClean="0"/>
+              <a:pPr/>
               <a:t>‹#›</a:t>
             </a:fld>
             <a:endParaRPr lang="en-US"/>
@@ -1145,6 +1156,7 @@
           <a:p>
             <a:fld id="{2858395A-E288-433A-A593-20103D1A46A3}" type="datetimeFigureOut">
               <a:rPr lang="en-US" smtClean="0"/>
+              <a:pPr/>
               <a:t>2/3/2019</a:t>
             </a:fld>
             <a:endParaRPr lang="en-US"/>
@@ -1187,6 +1199,7 @@
           <a:p>
             <a:fld id="{A0ACEE88-84B4-4D9D-8850-232436A3B079}" type="slidenum">
               <a:rPr lang="en-US" smtClean="0"/>
+              <a:pPr/>
               <a:t>‹#›</a:t>
             </a:fld>
             <a:endParaRPr lang="en-US"/>
@@ -1387,6 +1400,7 @@
           <a:p>
             <a:fld id="{2858395A-E288-433A-A593-20103D1A46A3}" type="datetimeFigureOut">
               <a:rPr lang="en-US" smtClean="0"/>
+              <a:pPr/>
               <a:t>2/3/2019</a:t>
             </a:fld>
             <a:endParaRPr lang="en-US"/>
@@ -1429,6 +1443,7 @@
           <a:p>
             <a:fld id="{A0ACEE88-84B4-4D9D-8850-232436A3B079}" type="slidenum">
               <a:rPr lang="en-US" smtClean="0"/>
+              <a:pPr/>
               <a:t>‹#›</a:t>
             </a:fld>
             <a:endParaRPr lang="en-US"/>
@@ -1651,6 +1666,7 @@
           <a:p>
             <a:fld id="{2858395A-E288-433A-A593-20103D1A46A3}" type="datetimeFigureOut">
               <a:rPr lang="en-US" smtClean="0"/>
+              <a:pPr/>
               <a:t>2/3/2019</a:t>
             </a:fld>
             <a:endParaRPr lang="en-US"/>
@@ -1693,6 +1709,7 @@
           <a:p>
             <a:fld id="{A0ACEE88-84B4-4D9D-8850-232436A3B079}" type="slidenum">
               <a:rPr lang="en-US" smtClean="0"/>
+              <a:pPr/>
               <a:t>‹#›</a:t>
             </a:fld>
             <a:endParaRPr lang="en-US"/>
@@ -2029,6 +2046,7 @@
           <a:p>
             <a:fld id="{2858395A-E288-433A-A593-20103D1A46A3}" type="datetimeFigureOut">
               <a:rPr lang="en-US" smtClean="0"/>
+              <a:pPr/>
               <a:t>2/3/2019</a:t>
             </a:fld>
             <a:endParaRPr lang="en-US"/>
@@ -2071,6 +2089,7 @@
           <a:p>
             <a:fld id="{A0ACEE88-84B4-4D9D-8850-232436A3B079}" type="slidenum">
               <a:rPr lang="en-US" smtClean="0"/>
+              <a:pPr/>
               <a:t>‹#›</a:t>
             </a:fld>
             <a:endParaRPr lang="en-US"/>
@@ -2179,6 +2198,7 @@
           <a:p>
             <a:fld id="{2858395A-E288-433A-A593-20103D1A46A3}" type="datetimeFigureOut">
               <a:rPr lang="en-US" smtClean="0"/>
+              <a:pPr/>
               <a:t>2/3/2019</a:t>
             </a:fld>
             <a:endParaRPr lang="en-US"/>
@@ -2221,6 +2241,7 @@
           <a:p>
             <a:fld id="{A0ACEE88-84B4-4D9D-8850-232436A3B079}" type="slidenum">
               <a:rPr lang="en-US" smtClean="0"/>
+              <a:pPr/>
               <a:t>‹#›</a:t>
             </a:fld>
             <a:endParaRPr lang="en-US"/>
@@ -2269,6 +2290,7 @@
           <a:p>
             <a:fld id="{2858395A-E288-433A-A593-20103D1A46A3}" type="datetimeFigureOut">
               <a:rPr lang="en-US" smtClean="0"/>
+              <a:pPr/>
               <a:t>2/3/2019</a:t>
             </a:fld>
             <a:endParaRPr lang="en-US"/>
@@ -2311,6 +2333,7 @@
           <a:p>
             <a:fld id="{A0ACEE88-84B4-4D9D-8850-232436A3B079}" type="slidenum">
               <a:rPr lang="en-US" smtClean="0"/>
+              <a:pPr/>
               <a:t>‹#›</a:t>
             </a:fld>
             <a:endParaRPr lang="en-US"/>
@@ -2530,6 +2553,7 @@
           <a:p>
             <a:fld id="{2858395A-E288-433A-A593-20103D1A46A3}" type="datetimeFigureOut">
               <a:rPr lang="en-US" smtClean="0"/>
+              <a:pPr/>
               <a:t>2/3/2019</a:t>
             </a:fld>
             <a:endParaRPr lang="en-US"/>
@@ -2572,6 +2596,7 @@
           <a:p>
             <a:fld id="{A0ACEE88-84B4-4D9D-8850-232436A3B079}" type="slidenum">
               <a:rPr lang="en-US" smtClean="0"/>
+              <a:pPr/>
               <a:t>‹#›</a:t>
             </a:fld>
             <a:endParaRPr lang="en-US"/>
@@ -2818,6 +2843,7 @@
           <a:p>
             <a:fld id="{2858395A-E288-433A-A593-20103D1A46A3}" type="datetimeFigureOut">
               <a:rPr lang="en-US" smtClean="0"/>
+              <a:pPr/>
               <a:t>2/3/2019</a:t>
             </a:fld>
             <a:endParaRPr lang="en-US"/>
@@ -2865,6 +2891,7 @@
           <a:p>
             <a:fld id="{A0ACEE88-84B4-4D9D-8850-232436A3B079}" type="slidenum">
               <a:rPr lang="en-US" smtClean="0"/>
+              <a:pPr/>
               <a:t>‹#›</a:t>
             </a:fld>
             <a:endParaRPr lang="en-US"/>
@@ -3589,6 +3616,7 @@
           <a:p>
             <a:fld id="{2858395A-E288-433A-A593-20103D1A46A3}" type="datetimeFigureOut">
               <a:rPr lang="en-US" smtClean="0"/>
+              <a:pPr/>
               <a:t>2/3/2019</a:t>
             </a:fld>
             <a:endParaRPr lang="en-US"/>
@@ -3667,6 +3695,7 @@
           <a:p>
             <a:fld id="{A0ACEE88-84B4-4D9D-8850-232436A3B079}" type="slidenum">
               <a:rPr lang="en-US" smtClean="0"/>
+              <a:pPr/>
               <a:t>‹#›</a:t>
             </a:fld>
             <a:endParaRPr lang="en-US"/>
@@ -4301,48 +4330,62 @@
         </p:nvSpPr>
         <p:spPr/>
         <p:txBody>
-          <a:bodyPr/>
+          <a:bodyPr>
+            <a:normAutofit/>
+          </a:bodyPr>
           <a:lstStyle/>
           <a:p>
             <a:r>
               <a:rPr lang="en-US" dirty="0" smtClean="0"/>
-              <a:t>Who cares about this data?</a:t>
+              <a:t>Predicted </a:t>
+            </a:r>
+            <a:r>
+              <a:rPr lang="en-US" dirty="0" err="1" smtClean="0"/>
+              <a:t>vs</a:t>
+            </a:r>
+            <a:r>
+              <a:rPr lang="en-US" dirty="0" smtClean="0"/>
+              <a:t> Actual Training Set</a:t>
             </a:r>
             <a:endParaRPr lang="en-US" dirty="0"/>
           </a:p>
         </p:txBody>
       </p:sp>
-      <p:sp>
-        <p:nvSpPr>
-          <p:cNvPr id="3" name="Content Placeholder 2"/>
-          <p:cNvSpPr>
-            <a:spLocks noGrp="1"/>
-          </p:cNvSpPr>
+      <p:pic>
+        <p:nvPicPr>
+          <p:cNvPr id="4" name="Content Placeholder 3" descr="train_x.png"/>
+          <p:cNvPicPr>
+            <a:picLocks noGrp="1" noChangeAspect="1"/>
+          </p:cNvPicPr>
           <p:nvPr>
             <p:ph idx="1"/>
           </p:nvPr>
-        </p:nvSpPr>
-        <p:spPr/>
-        <p:txBody>
-          <a:bodyPr/>
-          <a:lstStyle/>
-          <a:p>
-            <a:pPr>
-              <a:buNone/>
-            </a:pPr>
-            <a:r>
-              <a:rPr lang="en-US" dirty="0" smtClean="0"/>
-              <a:t>With the increase of terror attacks around the globe, the United States military forces are being deployed in response. It costs $X to deploy just 1 soldier. This does not include any redeployment cost should the soldier be required to move to a new hot spot. If we are able to predict the dangerous areas before deployment, we could deploy our forces more effectively and efficiently.</a:t>
-            </a:r>
-            <a:endParaRPr lang="en-US" dirty="0"/>
-          </a:p>
-        </p:txBody>
-      </p:sp>
+        </p:nvPicPr>
+        <p:blipFill>
+          <a:blip r:embed="rId2" cstate="print"/>
+          <a:stretch>
+            <a:fillRect/>
+          </a:stretch>
+        </p:blipFill>
+        <p:spPr>
+          <a:xfrm>
+            <a:off x="381000" y="2249542"/>
+            <a:ext cx="8326489" cy="4303657"/>
+          </a:xfrm>
+        </p:spPr>
+      </p:pic>
     </p:spTree>
   </p:cSld>
   <p:clrMapOvr>
     <a:masterClrMapping/>
   </p:clrMapOvr>
+  <p:timing>
+    <p:tnLst>
+      <p:par>
+        <p:cTn id="1" dur="indefinite" restart="never" nodeType="tmRoot"/>
+      </p:par>
+    </p:tnLst>
+  </p:timing>
 </p:sld>
 </file>
 
@@ -4380,39 +4423,285 @@
           <a:p>
             <a:r>
               <a:rPr lang="en-US" dirty="0" smtClean="0"/>
-              <a:t>Where can this data go?</a:t>
+              <a:t>Predicted – Unknown Result</a:t>
             </a:r>
             <a:endParaRPr lang="en-US" dirty="0"/>
           </a:p>
         </p:txBody>
       </p:sp>
-      <p:sp>
-        <p:nvSpPr>
-          <p:cNvPr id="3" name="Content Placeholder 2"/>
-          <p:cNvSpPr>
-            <a:spLocks noGrp="1"/>
-          </p:cNvSpPr>
+      <p:pic>
+        <p:nvPicPr>
+          <p:cNvPr id="4" name="Content Placeholder 3" descr="predict_x.png"/>
+          <p:cNvPicPr>
+            <a:picLocks noGrp="1" noChangeAspect="1"/>
+          </p:cNvPicPr>
           <p:nvPr>
             <p:ph idx="1"/>
           </p:nvPr>
-        </p:nvSpPr>
-        <p:spPr/>
-        <p:txBody>
-          <a:bodyPr/>
-          <a:lstStyle/>
-          <a:p>
-            <a:pPr>
-              <a:buNone/>
-            </a:pPr>
-            <a:endParaRPr lang="en-US" dirty="0"/>
-          </a:p>
-        </p:txBody>
-      </p:sp>
+        </p:nvPicPr>
+        <p:blipFill>
+          <a:blip r:embed="rId2" cstate="print"/>
+          <a:stretch>
+            <a:fillRect/>
+          </a:stretch>
+        </p:blipFill>
+        <p:spPr>
+          <a:xfrm>
+            <a:off x="360311" y="2249542"/>
+            <a:ext cx="8326489" cy="4303657"/>
+          </a:xfrm>
+        </p:spPr>
+      </p:pic>
     </p:spTree>
   </p:cSld>
   <p:clrMapOvr>
     <a:masterClrMapping/>
   </p:clrMapOvr>
+  <p:timing>
+    <p:tnLst>
+      <p:par>
+        <p:cTn id="1" dur="indefinite" restart="never" nodeType="tmRoot"/>
+      </p:par>
+    </p:tnLst>
+  </p:timing>
+</p:sld>
+</file>
+
+<file path=ppt/slides/slide12.xml><?xml version="1.0" encoding="utf-8"?>
+<p:sld xmlns:a="http://schemas.openxmlformats.org/drawingml/2006/main" xmlns:r="http://schemas.openxmlformats.org/officeDocument/2006/relationships" xmlns:p="http://schemas.openxmlformats.org/presentationml/2006/main">
+  <p:cSld>
+    <p:spTree>
+      <p:nvGrpSpPr>
+        <p:cNvPr id="1" name=""/>
+        <p:cNvGrpSpPr/>
+        <p:nvPr/>
+      </p:nvGrpSpPr>
+      <p:grpSpPr>
+        <a:xfrm>
+          <a:off x="0" y="0"/>
+          <a:ext cx="0" cy="0"/>
+          <a:chOff x="0" y="0"/>
+          <a:chExt cx="0" cy="0"/>
+        </a:xfrm>
+      </p:grpSpPr>
+      <p:sp>
+        <p:nvSpPr>
+          <p:cNvPr id="2" name="Title 1"/>
+          <p:cNvSpPr>
+            <a:spLocks noGrp="1"/>
+          </p:cNvSpPr>
+          <p:nvPr>
+            <p:ph type="title"/>
+          </p:nvPr>
+        </p:nvSpPr>
+        <p:spPr/>
+        <p:txBody>
+          <a:bodyPr/>
+          <a:lstStyle/>
+          <a:p>
+            <a:r>
+              <a:rPr lang="en-US" dirty="0" smtClean="0"/>
+              <a:t>Who cares?</a:t>
+            </a:r>
+            <a:endParaRPr lang="en-US" dirty="0"/>
+          </a:p>
+        </p:txBody>
+      </p:sp>
+      <p:sp>
+        <p:nvSpPr>
+          <p:cNvPr id="3" name="Content Placeholder 2"/>
+          <p:cNvSpPr>
+            <a:spLocks noGrp="1"/>
+          </p:cNvSpPr>
+          <p:nvPr>
+            <p:ph idx="1"/>
+          </p:nvPr>
+        </p:nvSpPr>
+        <p:spPr/>
+        <p:txBody>
+          <a:bodyPr/>
+          <a:lstStyle/>
+          <a:p>
+            <a:pPr>
+              <a:buNone/>
+            </a:pPr>
+            <a:r>
+              <a:rPr lang="en-US" dirty="0" smtClean="0"/>
+              <a:t>These predictions are meant to be of interest and value to those in the national defense and military logistics fields, which includes agencies such as the Department of Defense and the Defense Intelligence Agency.</a:t>
+            </a:r>
+            <a:endParaRPr lang="en-US" dirty="0"/>
+          </a:p>
+        </p:txBody>
+      </p:sp>
+    </p:spTree>
+  </p:cSld>
+  <p:clrMapOvr>
+    <a:masterClrMapping/>
+  </p:clrMapOvr>
+</p:sld>
+</file>
+
+<file path=ppt/slides/slide13.xml><?xml version="1.0" encoding="utf-8"?>
+<p:sld xmlns:a="http://schemas.openxmlformats.org/drawingml/2006/main" xmlns:r="http://schemas.openxmlformats.org/officeDocument/2006/relationships" xmlns:p="http://schemas.openxmlformats.org/presentationml/2006/main">
+  <p:cSld>
+    <p:spTree>
+      <p:nvGrpSpPr>
+        <p:cNvPr id="1" name=""/>
+        <p:cNvGrpSpPr/>
+        <p:nvPr/>
+      </p:nvGrpSpPr>
+      <p:grpSpPr>
+        <a:xfrm>
+          <a:off x="0" y="0"/>
+          <a:ext cx="0" cy="0"/>
+          <a:chOff x="0" y="0"/>
+          <a:chExt cx="0" cy="0"/>
+        </a:xfrm>
+      </p:grpSpPr>
+      <p:sp>
+        <p:nvSpPr>
+          <p:cNvPr id="2" name="Title 1"/>
+          <p:cNvSpPr>
+            <a:spLocks noGrp="1"/>
+          </p:cNvSpPr>
+          <p:nvPr>
+            <p:ph type="title"/>
+          </p:nvPr>
+        </p:nvSpPr>
+        <p:spPr/>
+        <p:txBody>
+          <a:bodyPr>
+            <a:normAutofit fontScale="90000"/>
+          </a:bodyPr>
+          <a:lstStyle/>
+          <a:p>
+            <a:r>
+              <a:rPr lang="en-US" dirty="0" smtClean="0"/>
+              <a:t>Why should we use this information?</a:t>
+            </a:r>
+            <a:endParaRPr lang="en-US" dirty="0"/>
+          </a:p>
+        </p:txBody>
+      </p:sp>
+      <p:sp>
+        <p:nvSpPr>
+          <p:cNvPr id="3" name="Content Placeholder 2"/>
+          <p:cNvSpPr>
+            <a:spLocks noGrp="1"/>
+          </p:cNvSpPr>
+          <p:nvPr>
+            <p:ph idx="1"/>
+          </p:nvPr>
+        </p:nvSpPr>
+        <p:spPr/>
+        <p:txBody>
+          <a:bodyPr/>
+          <a:lstStyle/>
+          <a:p>
+            <a:pPr>
+              <a:buNone/>
+            </a:pPr>
+            <a:r>
+              <a:rPr lang="en-US" dirty="0" smtClean="0"/>
+              <a:t>With the increase of terror attacks around the globe, the United States military forces are being deployed in response. It costs $X to deploy just 1 soldier. This does not include any redeployment cost should the soldier be required to move to a new hot spot. If we are able to predict the dangerous areas before deployment, we could deploy our forces more effectively and efficiently.</a:t>
+            </a:r>
+            <a:endParaRPr lang="en-US" dirty="0"/>
+          </a:p>
+        </p:txBody>
+      </p:sp>
+    </p:spTree>
+  </p:cSld>
+  <p:clrMapOvr>
+    <a:masterClrMapping/>
+  </p:clrMapOvr>
+  <p:timing>
+    <p:tnLst>
+      <p:par>
+        <p:cTn id="1" dur="indefinite" restart="never" nodeType="tmRoot"/>
+      </p:par>
+    </p:tnLst>
+  </p:timing>
+</p:sld>
+</file>
+
+<file path=ppt/slides/slide14.xml><?xml version="1.0" encoding="utf-8"?>
+<p:sld xmlns:a="http://schemas.openxmlformats.org/drawingml/2006/main" xmlns:r="http://schemas.openxmlformats.org/officeDocument/2006/relationships" xmlns:p="http://schemas.openxmlformats.org/presentationml/2006/main">
+  <p:cSld>
+    <p:spTree>
+      <p:nvGrpSpPr>
+        <p:cNvPr id="1" name=""/>
+        <p:cNvGrpSpPr/>
+        <p:nvPr/>
+      </p:nvGrpSpPr>
+      <p:grpSpPr>
+        <a:xfrm>
+          <a:off x="0" y="0"/>
+          <a:ext cx="0" cy="0"/>
+          <a:chOff x="0" y="0"/>
+          <a:chExt cx="0" cy="0"/>
+        </a:xfrm>
+      </p:grpSpPr>
+      <p:sp>
+        <p:nvSpPr>
+          <p:cNvPr id="2" name="Title 1"/>
+          <p:cNvSpPr>
+            <a:spLocks noGrp="1"/>
+          </p:cNvSpPr>
+          <p:nvPr>
+            <p:ph type="title"/>
+          </p:nvPr>
+        </p:nvSpPr>
+        <p:spPr/>
+        <p:txBody>
+          <a:bodyPr/>
+          <a:lstStyle/>
+          <a:p>
+            <a:r>
+              <a:rPr lang="en-US" dirty="0" smtClean="0"/>
+              <a:t>Where can this data go?</a:t>
+            </a:r>
+            <a:endParaRPr lang="en-US" dirty="0"/>
+          </a:p>
+        </p:txBody>
+      </p:sp>
+      <p:sp>
+        <p:nvSpPr>
+          <p:cNvPr id="3" name="Content Placeholder 2"/>
+          <p:cNvSpPr>
+            <a:spLocks noGrp="1"/>
+          </p:cNvSpPr>
+          <p:nvPr>
+            <p:ph idx="1"/>
+          </p:nvPr>
+        </p:nvSpPr>
+        <p:spPr/>
+        <p:txBody>
+          <a:bodyPr/>
+          <a:lstStyle/>
+          <a:p>
+            <a:pPr>
+              <a:buNone/>
+            </a:pPr>
+            <a:r>
+              <a:rPr lang="en-US" dirty="0" smtClean="0"/>
+              <a:t>Using an agent-based model, we can predict each agent’s probability to commit a violent action within a specific region (e.g., a city), sum all agents’ probability, and calculate the overall probability of a violent action occurring for that region. This is particularly useful when testing for the most efficient deployment of military forces, determining whether the region’s probability rises or falls.</a:t>
+            </a:r>
+            <a:endParaRPr lang="en-US" dirty="0"/>
+          </a:p>
+        </p:txBody>
+      </p:sp>
+    </p:spTree>
+  </p:cSld>
+  <p:clrMapOvr>
+    <a:masterClrMapping/>
+  </p:clrMapOvr>
+  <p:timing>
+    <p:tnLst>
+      <p:par>
+        <p:cTn id="1" dur="indefinite" restart="never" nodeType="tmRoot"/>
+      </p:par>
+    </p:tnLst>
+  </p:timing>
 </p:sld>
 </file>
 
@@ -4681,19 +4970,7 @@
             </a:r>
             <a:r>
               <a:rPr lang="en-US" dirty="0" smtClean="0"/>
-              <a:t>: The natural </a:t>
-            </a:r>
-            <a:r>
-              <a:rPr lang="en-US" dirty="0" smtClean="0"/>
-              <a:t>tendency </a:t>
-            </a:r>
-            <a:r>
-              <a:rPr lang="en-US" dirty="0" smtClean="0"/>
-              <a:t>of the agent towards </a:t>
-            </a:r>
-            <a:r>
-              <a:rPr lang="en-US" dirty="0" smtClean="0"/>
-              <a:t>hostility. Ranges: 0 – 1, Mean: 0.388, Std: .210 ((Static))</a:t>
+              <a:t>: The natural tendency of the agent towards hostility. Ranges: 0 – 1, Mean: 0.388, Std: .210 ((Static))</a:t>
             </a:r>
           </a:p>
           <a:p>
@@ -4755,11 +5032,7 @@
             </a:r>
             <a:r>
               <a:rPr lang="en-US" dirty="0" smtClean="0"/>
-              <a:t>: How aggressive an agent is in forwarding their religion. Calculated by Aggressive Behavior x Religious Fanaticism. Ranges: 0 – 1, </a:t>
-            </a:r>
-            <a:r>
-              <a:rPr lang="en-US" dirty="0" smtClean="0"/>
-              <a:t>Mean: 0.251, 0.152 ((Static)) </a:t>
+              <a:t>: How aggressive an agent is in forwarding their religion. Calculated by Aggressive Behavior x Religious Fanaticism. Ranges: 0 – 1, Mean: 0.251, 0.152 ((Static)) </a:t>
             </a:r>
             <a:endParaRPr lang="en-US" u="sng" dirty="0" smtClean="0"/>
           </a:p>
@@ -4951,9 +5224,23 @@
           <a:bodyPr/>
           <a:lstStyle/>
           <a:p>
+            <a:pPr>
+              <a:buNone/>
+            </a:pPr>
             <a:r>
               <a:rPr lang="en-US" dirty="0" smtClean="0"/>
-              <a:t>Is the agent a current threat? This is a categorical label, 0 – No, 1 – Yes. Informative, but not very useful.</a:t>
+              <a:t>This dataset contains 2 possible outcomes, a categorical or a continuous outcome. </a:t>
+            </a:r>
+            <a:endParaRPr lang="en-US" dirty="0" smtClean="0"/>
+          </a:p>
+          <a:p>
+            <a:r>
+              <a:rPr lang="en-US" dirty="0" smtClean="0"/>
+              <a:t>Is </a:t>
+            </a:r>
+            <a:r>
+              <a:rPr lang="en-US" dirty="0" smtClean="0"/>
+              <a:t>the agent a current threat? This is a categorical label, 0 – No, 1 – Yes. Informative, but not very useful.</a:t>
             </a:r>
           </a:p>
           <a:p>
@@ -4961,7 +5248,6 @@
               <a:rPr lang="en-US" dirty="0" smtClean="0"/>
               <a:t>What is the probability of being a threat? This is a continuous variable, ranging from 0 to 1. This is informative, and much more useful.</a:t>
             </a:r>
-            <a:endParaRPr lang="en-US" dirty="0" smtClean="0"/>
           </a:p>
         </p:txBody>
       </p:sp>
@@ -5037,12 +5323,49 @@
           <a:p>
             <a:r>
               <a:rPr lang="en-US" dirty="0" smtClean="0"/>
-              <a:t>The current dataset has 10 characteristics. PCA tells us that 95% of the variance in our data is described by 9 of them.</a:t>
-            </a:r>
+              <a:t>The current dataset has 10 characteristics. PCA tells us that 95% of the variance in our data is described by 9 of them</a:t>
+            </a:r>
+            <a:r>
+              <a:rPr lang="en-US" dirty="0" smtClean="0"/>
+              <a:t>.</a:t>
+            </a:r>
+          </a:p>
+          <a:p>
+            <a:r>
+              <a:rPr lang="en-US" dirty="0" smtClean="0"/>
+              <a:t>This shows that almost all characteristic provide important information within the model.</a:t>
+            </a:r>
+            <a:br>
+              <a:rPr lang="en-US" dirty="0" smtClean="0"/>
+            </a:br>
             <a:endParaRPr lang="en-US" dirty="0"/>
           </a:p>
         </p:txBody>
       </p:sp>
+      <p:pic>
+        <p:nvPicPr>
+          <p:cNvPr id="4" name="Picture 3" descr="pca.png"/>
+          <p:cNvPicPr>
+            <a:picLocks noChangeAspect="1"/>
+          </p:cNvPicPr>
+          <p:nvPr/>
+        </p:nvPicPr>
+        <p:blipFill>
+          <a:blip r:embed="rId2" cstate="print"/>
+          <a:stretch>
+            <a:fillRect/>
+          </a:stretch>
+        </p:blipFill>
+        <p:spPr>
+          <a:xfrm>
+            <a:off x="2286000" y="4343400"/>
+            <a:ext cx="3581400" cy="1957276"/>
+          </a:xfrm>
+          <a:prstGeom prst="rect">
+            <a:avLst/>
+          </a:prstGeom>
+        </p:spPr>
+      </p:pic>
     </p:spTree>
   </p:cSld>
   <p:clrMapOvr>
@@ -5094,15 +5417,7 @@
           <a:p>
             <a:r>
               <a:rPr lang="en-US" dirty="0" smtClean="0"/>
-              <a:t>Predicted </a:t>
-            </a:r>
-            <a:r>
-              <a:rPr lang="en-US" dirty="0" err="1" smtClean="0"/>
-              <a:t>vs</a:t>
-            </a:r>
-            <a:r>
-              <a:rPr lang="en-US" dirty="0" smtClean="0"/>
-              <a:t> Actual Training Set</a:t>
+              <a:t>Choosing a model</a:t>
             </a:r>
             <a:endParaRPr lang="en-US" dirty="0"/>
           </a:p>
@@ -5110,7 +5425,7 @@
       </p:sp>
       <p:pic>
         <p:nvPicPr>
-          <p:cNvPr id="4" name="Content Placeholder 3" descr="train_x.png"/>
+          <p:cNvPr id="4" name="Content Placeholder 3" descr="rsquared.png"/>
           <p:cNvPicPr>
             <a:picLocks noGrp="1" noChangeAspect="1"/>
           </p:cNvPicPr>
@@ -5126,8 +5441,8 @@
         </p:blipFill>
         <p:spPr>
           <a:xfrm>
-            <a:off x="381000" y="2249542"/>
-            <a:ext cx="8326489" cy="4303658"/>
+            <a:off x="533400" y="2286000"/>
+            <a:ext cx="7928040" cy="3810000"/>
           </a:xfrm>
         </p:spPr>
       </p:pic>
@@ -5136,13 +5451,6 @@
   <p:clrMapOvr>
     <a:masterClrMapping/>
   </p:clrMapOvr>
-  <p:timing>
-    <p:tnLst>
-      <p:par>
-        <p:cTn id="1" dur="indefinite" restart="never" nodeType="tmRoot"/>
-      </p:par>
-    </p:tnLst>
-  </p:timing>
 </p:sld>
 </file>
 
@@ -5175,12 +5483,14 @@
         </p:nvSpPr>
         <p:spPr/>
         <p:txBody>
-          <a:bodyPr/>
+          <a:bodyPr>
+            <a:normAutofit/>
+          </a:bodyPr>
           <a:lstStyle/>
           <a:p>
             <a:r>
               <a:rPr lang="en-US" dirty="0" smtClean="0"/>
-              <a:t>Predicted – Unknown Result</a:t>
+              <a:t>Narrowing it down</a:t>
             </a:r>
             <a:endParaRPr lang="en-US" dirty="0"/>
           </a:p>
@@ -5188,7 +5498,7 @@
       </p:sp>
       <p:pic>
         <p:nvPicPr>
-          <p:cNvPr id="4" name="Content Placeholder 3" descr="predict_x.png"/>
+          <p:cNvPr id="4" name="Content Placeholder 3" descr="regression.png"/>
           <p:cNvPicPr>
             <a:picLocks noGrp="1" noChangeAspect="1"/>
           </p:cNvPicPr>
@@ -5204,8 +5514,8 @@
         </p:blipFill>
         <p:spPr>
           <a:xfrm>
-            <a:off x="381000" y="2249542"/>
-            <a:ext cx="8326489" cy="4303658"/>
+            <a:off x="228600" y="3124200"/>
+            <a:ext cx="8711999" cy="2286000"/>
           </a:xfrm>
         </p:spPr>
       </p:pic>
@@ -5214,13 +5524,6 @@
   <p:clrMapOvr>
     <a:masterClrMapping/>
   </p:clrMapOvr>
-  <p:timing>
-    <p:tnLst>
-      <p:par>
-        <p:cTn id="1" dur="indefinite" restart="never" nodeType="tmRoot"/>
-      </p:par>
-    </p:tnLst>
-  </p:timing>
 </p:sld>
 </file>
 

--- a/CapstoneResearch/PredictingViolentThreat.pptx
+++ b/CapstoneResearch/PredictingViolentThreat.pptx
@@ -5,7 +5,7 @@
     <p:sldMasterId id="2147483720" r:id="rId1"/>
   </p:sldMasterIdLst>
   <p:notesMasterIdLst>
-    <p:notesMasterId r:id="rId16"/>
+    <p:notesMasterId r:id="rId19"/>
   </p:notesMasterIdLst>
   <p:sldIdLst>
     <p:sldId id="256" r:id="rId2"/>
@@ -17,11 +17,14 @@
     <p:sldId id="262" r:id="rId8"/>
     <p:sldId id="267" r:id="rId9"/>
     <p:sldId id="269" r:id="rId10"/>
-    <p:sldId id="263" r:id="rId11"/>
-    <p:sldId id="264" r:id="rId12"/>
-    <p:sldId id="268" r:id="rId13"/>
-    <p:sldId id="265" r:id="rId14"/>
-    <p:sldId id="266" r:id="rId15"/>
+    <p:sldId id="272" r:id="rId11"/>
+    <p:sldId id="263" r:id="rId12"/>
+    <p:sldId id="264" r:id="rId13"/>
+    <p:sldId id="268" r:id="rId14"/>
+    <p:sldId id="265" r:id="rId15"/>
+    <p:sldId id="266" r:id="rId16"/>
+    <p:sldId id="270" r:id="rId17"/>
+    <p:sldId id="271" r:id="rId18"/>
   </p:sldIdLst>
   <p:sldSz cx="9144000" cy="6858000" type="screen4x3"/>
   <p:notesSz cx="6858000" cy="9144000"/>
@@ -206,7 +209,7 @@
             <a:fld id="{284C418C-ED53-4441-A9AE-99F2B7408F73}" type="datetimeFigureOut">
               <a:rPr lang="en-US" smtClean="0"/>
               <a:pPr/>
-              <a:t>2/3/2019</a:t>
+              <a:t>2/4/2019</a:t>
             </a:fld>
             <a:endParaRPr lang="en-US"/>
           </a:p>
@@ -646,7 +649,7 @@
             <a:fld id="{2858395A-E288-433A-A593-20103D1A46A3}" type="datetimeFigureOut">
               <a:rPr lang="en-US" smtClean="0"/>
               <a:pPr/>
-              <a:t>2/3/2019</a:t>
+              <a:t>2/4/2019</a:t>
             </a:fld>
             <a:endParaRPr lang="en-US"/>
           </a:p>
@@ -813,7 +816,7 @@
             <a:fld id="{2858395A-E288-433A-A593-20103D1A46A3}" type="datetimeFigureOut">
               <a:rPr lang="en-US" smtClean="0"/>
               <a:pPr/>
-              <a:t>2/3/2019</a:t>
+              <a:t>2/4/2019</a:t>
             </a:fld>
             <a:endParaRPr lang="en-US"/>
           </a:p>
@@ -990,7 +993,7 @@
             <a:fld id="{2858395A-E288-433A-A593-20103D1A46A3}" type="datetimeFigureOut">
               <a:rPr lang="en-US" smtClean="0"/>
               <a:pPr/>
-              <a:t>2/3/2019</a:t>
+              <a:t>2/4/2019</a:t>
             </a:fld>
             <a:endParaRPr lang="en-US"/>
           </a:p>
@@ -1157,7 +1160,7 @@
             <a:fld id="{2858395A-E288-433A-A593-20103D1A46A3}" type="datetimeFigureOut">
               <a:rPr lang="en-US" smtClean="0"/>
               <a:pPr/>
-              <a:t>2/3/2019</a:t>
+              <a:t>2/4/2019</a:t>
             </a:fld>
             <a:endParaRPr lang="en-US"/>
           </a:p>
@@ -1401,7 +1404,7 @@
             <a:fld id="{2858395A-E288-433A-A593-20103D1A46A3}" type="datetimeFigureOut">
               <a:rPr lang="en-US" smtClean="0"/>
               <a:pPr/>
-              <a:t>2/3/2019</a:t>
+              <a:t>2/4/2019</a:t>
             </a:fld>
             <a:endParaRPr lang="en-US"/>
           </a:p>
@@ -1667,7 +1670,7 @@
             <a:fld id="{2858395A-E288-433A-A593-20103D1A46A3}" type="datetimeFigureOut">
               <a:rPr lang="en-US" smtClean="0"/>
               <a:pPr/>
-              <a:t>2/3/2019</a:t>
+              <a:t>2/4/2019</a:t>
             </a:fld>
             <a:endParaRPr lang="en-US"/>
           </a:p>
@@ -2047,7 +2050,7 @@
             <a:fld id="{2858395A-E288-433A-A593-20103D1A46A3}" type="datetimeFigureOut">
               <a:rPr lang="en-US" smtClean="0"/>
               <a:pPr/>
-              <a:t>2/3/2019</a:t>
+              <a:t>2/4/2019</a:t>
             </a:fld>
             <a:endParaRPr lang="en-US"/>
           </a:p>
@@ -2199,7 +2202,7 @@
             <a:fld id="{2858395A-E288-433A-A593-20103D1A46A3}" type="datetimeFigureOut">
               <a:rPr lang="en-US" smtClean="0"/>
               <a:pPr/>
-              <a:t>2/3/2019</a:t>
+              <a:t>2/4/2019</a:t>
             </a:fld>
             <a:endParaRPr lang="en-US"/>
           </a:p>
@@ -2291,7 +2294,7 @@
             <a:fld id="{2858395A-E288-433A-A593-20103D1A46A3}" type="datetimeFigureOut">
               <a:rPr lang="en-US" smtClean="0"/>
               <a:pPr/>
-              <a:t>2/3/2019</a:t>
+              <a:t>2/4/2019</a:t>
             </a:fld>
             <a:endParaRPr lang="en-US"/>
           </a:p>
@@ -2554,7 +2557,7 @@
             <a:fld id="{2858395A-E288-433A-A593-20103D1A46A3}" type="datetimeFigureOut">
               <a:rPr lang="en-US" smtClean="0"/>
               <a:pPr/>
-              <a:t>2/3/2019</a:t>
+              <a:t>2/4/2019</a:t>
             </a:fld>
             <a:endParaRPr lang="en-US"/>
           </a:p>
@@ -2844,7 +2847,7 @@
             <a:fld id="{2858395A-E288-433A-A593-20103D1A46A3}" type="datetimeFigureOut">
               <a:rPr lang="en-US" smtClean="0"/>
               <a:pPr/>
-              <a:t>2/3/2019</a:t>
+              <a:t>2/4/2019</a:t>
             </a:fld>
             <a:endParaRPr lang="en-US"/>
           </a:p>
@@ -3617,7 +3620,7 @@
             <a:fld id="{2858395A-E288-433A-A593-20103D1A46A3}" type="datetimeFigureOut">
               <a:rPr lang="en-US" smtClean="0"/>
               <a:pPr/>
-              <a:t>2/3/2019</a:t>
+              <a:t>2/4/2019</a:t>
             </a:fld>
             <a:endParaRPr lang="en-US"/>
           </a:p>
@@ -4330,62 +4333,48 @@
         </p:nvSpPr>
         <p:spPr/>
         <p:txBody>
-          <a:bodyPr>
-            <a:normAutofit/>
-          </a:bodyPr>
+          <a:bodyPr/>
           <a:lstStyle/>
           <a:p>
             <a:r>
               <a:rPr lang="en-US" dirty="0" smtClean="0"/>
-              <a:t>Predicted </a:t>
-            </a:r>
-            <a:r>
-              <a:rPr lang="en-US" dirty="0" err="1" smtClean="0"/>
-              <a:t>vs</a:t>
-            </a:r>
+              <a:t>Chosen model</a:t>
+            </a:r>
+            <a:endParaRPr lang="en-US" dirty="0"/>
+          </a:p>
+        </p:txBody>
+      </p:sp>
+      <p:sp>
+        <p:nvSpPr>
+          <p:cNvPr id="3" name="Content Placeholder 2"/>
+          <p:cNvSpPr>
+            <a:spLocks noGrp="1"/>
+          </p:cNvSpPr>
+          <p:nvPr>
+            <p:ph idx="1"/>
+          </p:nvPr>
+        </p:nvSpPr>
+        <p:spPr/>
+        <p:txBody>
+          <a:bodyPr/>
+          <a:lstStyle/>
+          <a:p>
+            <a:pPr>
+              <a:buNone/>
+            </a:pPr>
             <a:r>
               <a:rPr lang="en-US" dirty="0" smtClean="0"/>
-              <a:t> Actual Training Set</a:t>
+              <a:t>In the end, I chose to use the Gradient Boosted Regression for my prediction. Though GBRs have a possibility for over-fitting, using a small learning rate helped to ensure that no iteration outweighed the others. I believe both a GBR or a K-NN are a good option for future testing when introduced into an agent-based model system.</a:t>
             </a:r>
             <a:endParaRPr lang="en-US" dirty="0"/>
           </a:p>
         </p:txBody>
       </p:sp>
-      <p:pic>
-        <p:nvPicPr>
-          <p:cNvPr id="4" name="Content Placeholder 3" descr="train_x.png"/>
-          <p:cNvPicPr>
-            <a:picLocks noGrp="1" noChangeAspect="1"/>
-          </p:cNvPicPr>
-          <p:nvPr>
-            <p:ph idx="1"/>
-          </p:nvPr>
-        </p:nvPicPr>
-        <p:blipFill>
-          <a:blip r:embed="rId2" cstate="print"/>
-          <a:stretch>
-            <a:fillRect/>
-          </a:stretch>
-        </p:blipFill>
-        <p:spPr>
-          <a:xfrm>
-            <a:off x="381000" y="2249542"/>
-            <a:ext cx="8326489" cy="4303657"/>
-          </a:xfrm>
-        </p:spPr>
-      </p:pic>
     </p:spTree>
   </p:cSld>
   <p:clrMapOvr>
     <a:masterClrMapping/>
   </p:clrMapOvr>
-  <p:timing>
-    <p:tnLst>
-      <p:par>
-        <p:cTn id="1" dur="indefinite" restart="never" nodeType="tmRoot"/>
-      </p:par>
-    </p:tnLst>
-  </p:timing>
 </p:sld>
 </file>
 
@@ -4418,12 +4407,22 @@
         </p:nvSpPr>
         <p:spPr/>
         <p:txBody>
-          <a:bodyPr/>
+          <a:bodyPr>
+            <a:normAutofit/>
+          </a:bodyPr>
           <a:lstStyle/>
           <a:p>
             <a:r>
               <a:rPr lang="en-US" dirty="0" smtClean="0"/>
-              <a:t>Predicted – Unknown Result</a:t>
+              <a:t>Predicted </a:t>
+            </a:r>
+            <a:r>
+              <a:rPr lang="en-US" dirty="0" err="1" smtClean="0"/>
+              <a:t>vs</a:t>
+            </a:r>
+            <a:r>
+              <a:rPr lang="en-US" dirty="0" smtClean="0"/>
+              <a:t> Actual Training Set</a:t>
             </a:r>
             <a:endParaRPr lang="en-US" dirty="0"/>
           </a:p>
@@ -4431,7 +4430,7 @@
       </p:sp>
       <p:pic>
         <p:nvPicPr>
-          <p:cNvPr id="4" name="Content Placeholder 3" descr="predict_x.png"/>
+          <p:cNvPr id="4" name="Content Placeholder 3" descr="train_x.png"/>
           <p:cNvPicPr>
             <a:picLocks noGrp="1" noChangeAspect="1"/>
           </p:cNvPicPr>
@@ -4447,7 +4446,7 @@
         </p:blipFill>
         <p:spPr>
           <a:xfrm>
-            <a:off x="360311" y="2249542"/>
+            <a:off x="381000" y="2249542"/>
             <a:ext cx="8326489" cy="4303657"/>
           </a:xfrm>
         </p:spPr>
@@ -4501,43 +4500,47 @@
           <a:p>
             <a:r>
               <a:rPr lang="en-US" dirty="0" smtClean="0"/>
-              <a:t>Who cares?</a:t>
+              <a:t>Predicted – Unknown Result</a:t>
             </a:r>
             <a:endParaRPr lang="en-US" dirty="0"/>
           </a:p>
         </p:txBody>
       </p:sp>
-      <p:sp>
-        <p:nvSpPr>
-          <p:cNvPr id="3" name="Content Placeholder 2"/>
-          <p:cNvSpPr>
-            <a:spLocks noGrp="1"/>
-          </p:cNvSpPr>
+      <p:pic>
+        <p:nvPicPr>
+          <p:cNvPr id="4" name="Content Placeholder 3" descr="predict_x.png"/>
+          <p:cNvPicPr>
+            <a:picLocks noGrp="1" noChangeAspect="1"/>
+          </p:cNvPicPr>
           <p:nvPr>
             <p:ph idx="1"/>
           </p:nvPr>
-        </p:nvSpPr>
-        <p:spPr/>
-        <p:txBody>
-          <a:bodyPr/>
-          <a:lstStyle/>
-          <a:p>
-            <a:pPr>
-              <a:buNone/>
-            </a:pPr>
-            <a:r>
-              <a:rPr lang="en-US" dirty="0" smtClean="0"/>
-              <a:t>These predictions are meant to be of interest and value to those in the national defense and military logistics fields, which includes agencies such as the Department of Defense and the Defense Intelligence Agency.</a:t>
-            </a:r>
-            <a:endParaRPr lang="en-US" dirty="0"/>
-          </a:p>
-        </p:txBody>
-      </p:sp>
+        </p:nvPicPr>
+        <p:blipFill>
+          <a:blip r:embed="rId2" cstate="print"/>
+          <a:stretch>
+            <a:fillRect/>
+          </a:stretch>
+        </p:blipFill>
+        <p:spPr>
+          <a:xfrm>
+            <a:off x="360311" y="2249542"/>
+            <a:ext cx="8326489" cy="4303657"/>
+          </a:xfrm>
+        </p:spPr>
+      </p:pic>
     </p:spTree>
   </p:cSld>
   <p:clrMapOvr>
     <a:masterClrMapping/>
   </p:clrMapOvr>
+  <p:timing>
+    <p:tnLst>
+      <p:par>
+        <p:cTn id="1" dur="indefinite" restart="never" nodeType="tmRoot"/>
+      </p:par>
+    </p:tnLst>
+  </p:timing>
 </p:sld>
 </file>
 
@@ -4570,14 +4573,12 @@
         </p:nvSpPr>
         <p:spPr/>
         <p:txBody>
-          <a:bodyPr>
-            <a:normAutofit fontScale="90000"/>
-          </a:bodyPr>
+          <a:bodyPr/>
           <a:lstStyle/>
           <a:p>
             <a:r>
               <a:rPr lang="en-US" dirty="0" smtClean="0"/>
-              <a:t>Why should we use this information?</a:t>
+              <a:t>Who cares?</a:t>
             </a:r>
             <a:endParaRPr lang="en-US" dirty="0"/>
           </a:p>
@@ -4603,7 +4604,7 @@
             </a:pPr>
             <a:r>
               <a:rPr lang="en-US" dirty="0" smtClean="0"/>
-              <a:t>With the increase of terror attacks around the globe, the United States military forces are being deployed in response. It costs $X to deploy just 1 soldier. This does not include any redeployment cost should the soldier be required to move to a new hot spot. If we are able to predict the dangerous areas before deployment, we could deploy our forces more effectively and efficiently.</a:t>
+              <a:t>These predictions are meant to be of interest and value to those in the national defense and military logistics fields, which includes agencies such as the Department of Defense and the Defense Intelligence Agency.</a:t>
             </a:r>
             <a:endParaRPr lang="en-US" dirty="0"/>
           </a:p>
@@ -4614,13 +4615,6 @@
   <p:clrMapOvr>
     <a:masterClrMapping/>
   </p:clrMapOvr>
-  <p:timing>
-    <p:tnLst>
-      <p:par>
-        <p:cTn id="1" dur="indefinite" restart="never" nodeType="tmRoot"/>
-      </p:par>
-    </p:tnLst>
-  </p:timing>
 </p:sld>
 </file>
 
@@ -4653,12 +4647,14 @@
         </p:nvSpPr>
         <p:spPr/>
         <p:txBody>
-          <a:bodyPr/>
+          <a:bodyPr>
+            <a:normAutofit fontScale="90000"/>
+          </a:bodyPr>
           <a:lstStyle/>
           <a:p>
             <a:r>
               <a:rPr lang="en-US" dirty="0" smtClean="0"/>
-              <a:t>Where can this data go?</a:t>
+              <a:t>Why should we use this information?</a:t>
             </a:r>
             <a:endParaRPr lang="en-US" dirty="0"/>
           </a:p>
@@ -4684,7 +4680,23 @@
             </a:pPr>
             <a:r>
               <a:rPr lang="en-US" dirty="0" smtClean="0"/>
-              <a:t>Using an agent-based model, we can predict each agent’s probability to commit a violent action within a specific region (e.g., a city), sum all agents’ probability, and calculate the overall probability of a violent action occurring for that region. This is particularly useful when testing for the most efficient deployment of military forces, determining whether the region’s probability rises or falls.</a:t>
+              <a:t>With the increase of terror attacks around the globe, the United States military forces are being deployed in response. It costs </a:t>
+            </a:r>
+            <a:r>
+              <a:rPr lang="en-US" dirty="0" smtClean="0"/>
+              <a:t>$2,100,00 </a:t>
+            </a:r>
+            <a:r>
+              <a:rPr lang="en-US" dirty="0" smtClean="0"/>
+              <a:t>to deploy just 1 </a:t>
+            </a:r>
+            <a:r>
+              <a:rPr lang="en-US" dirty="0" smtClean="0"/>
+              <a:t>soldier to Afghanistan. </a:t>
+            </a:r>
+            <a:r>
+              <a:rPr lang="en-US" dirty="0" smtClean="0"/>
+              <a:t>This does not include any redeployment cost should the soldier be required to move to a new hot spot. If we are able to predict the dangerous areas before deployment, we could deploy our forces more effectively and efficiently.</a:t>
             </a:r>
             <a:endParaRPr lang="en-US" dirty="0"/>
           </a:p>
@@ -4702,6 +4714,307 @@
       </p:par>
     </p:tnLst>
   </p:timing>
+</p:sld>
+</file>
+
+<file path=ppt/slides/slide15.xml><?xml version="1.0" encoding="utf-8"?>
+<p:sld xmlns:a="http://schemas.openxmlformats.org/drawingml/2006/main" xmlns:r="http://schemas.openxmlformats.org/officeDocument/2006/relationships" xmlns:p="http://schemas.openxmlformats.org/presentationml/2006/main">
+  <p:cSld>
+    <p:spTree>
+      <p:nvGrpSpPr>
+        <p:cNvPr id="1" name=""/>
+        <p:cNvGrpSpPr/>
+        <p:nvPr/>
+      </p:nvGrpSpPr>
+      <p:grpSpPr>
+        <a:xfrm>
+          <a:off x="0" y="0"/>
+          <a:ext cx="0" cy="0"/>
+          <a:chOff x="0" y="0"/>
+          <a:chExt cx="0" cy="0"/>
+        </a:xfrm>
+      </p:grpSpPr>
+      <p:sp>
+        <p:nvSpPr>
+          <p:cNvPr id="2" name="Title 1"/>
+          <p:cNvSpPr>
+            <a:spLocks noGrp="1"/>
+          </p:cNvSpPr>
+          <p:nvPr>
+            <p:ph type="title"/>
+          </p:nvPr>
+        </p:nvSpPr>
+        <p:spPr/>
+        <p:txBody>
+          <a:bodyPr/>
+          <a:lstStyle/>
+          <a:p>
+            <a:r>
+              <a:rPr lang="en-US" dirty="0" smtClean="0"/>
+              <a:t>Where can this data go?</a:t>
+            </a:r>
+            <a:endParaRPr lang="en-US" dirty="0"/>
+          </a:p>
+        </p:txBody>
+      </p:sp>
+      <p:sp>
+        <p:nvSpPr>
+          <p:cNvPr id="3" name="Content Placeholder 2"/>
+          <p:cNvSpPr>
+            <a:spLocks noGrp="1"/>
+          </p:cNvSpPr>
+          <p:nvPr>
+            <p:ph idx="1"/>
+          </p:nvPr>
+        </p:nvSpPr>
+        <p:spPr/>
+        <p:txBody>
+          <a:bodyPr/>
+          <a:lstStyle/>
+          <a:p>
+            <a:pPr>
+              <a:buNone/>
+            </a:pPr>
+            <a:r>
+              <a:rPr lang="en-US" dirty="0" smtClean="0"/>
+              <a:t>Using an agent-based model, we can predict each agent’s probability to commit a violent action within a specific region (e.g., a city), sum all agents’ probability, and calculate the overall probability of a violent action occurring for that region. This is particularly useful when testing for the most efficient deployment of military forces, determining whether the region’s probability rises or falls.</a:t>
+            </a:r>
+            <a:endParaRPr lang="en-US" dirty="0"/>
+          </a:p>
+        </p:txBody>
+      </p:sp>
+    </p:spTree>
+  </p:cSld>
+  <p:clrMapOvr>
+    <a:masterClrMapping/>
+  </p:clrMapOvr>
+  <p:timing>
+    <p:tnLst>
+      <p:par>
+        <p:cTn id="1" dur="indefinite" restart="never" nodeType="tmRoot"/>
+      </p:par>
+    </p:tnLst>
+  </p:timing>
+</p:sld>
+</file>
+
+<file path=ppt/slides/slide16.xml><?xml version="1.0" encoding="utf-8"?>
+<p:sld xmlns:a="http://schemas.openxmlformats.org/drawingml/2006/main" xmlns:r="http://schemas.openxmlformats.org/officeDocument/2006/relationships" xmlns:p="http://schemas.openxmlformats.org/presentationml/2006/main">
+  <p:cSld>
+    <p:spTree>
+      <p:nvGrpSpPr>
+        <p:cNvPr id="1" name=""/>
+        <p:cNvGrpSpPr/>
+        <p:nvPr/>
+      </p:nvGrpSpPr>
+      <p:grpSpPr>
+        <a:xfrm>
+          <a:off x="0" y="0"/>
+          <a:ext cx="0" cy="0"/>
+          <a:chOff x="0" y="0"/>
+          <a:chExt cx="0" cy="0"/>
+        </a:xfrm>
+      </p:grpSpPr>
+      <p:sp>
+        <p:nvSpPr>
+          <p:cNvPr id="2" name="Title 1"/>
+          <p:cNvSpPr>
+            <a:spLocks noGrp="1"/>
+          </p:cNvSpPr>
+          <p:nvPr>
+            <p:ph type="title"/>
+          </p:nvPr>
+        </p:nvSpPr>
+        <p:spPr/>
+        <p:txBody>
+          <a:bodyPr/>
+          <a:lstStyle/>
+          <a:p>
+            <a:r>
+              <a:rPr lang="en-US" dirty="0" smtClean="0"/>
+              <a:t>Bibliography</a:t>
+            </a:r>
+            <a:endParaRPr lang="en-US" dirty="0"/>
+          </a:p>
+        </p:txBody>
+      </p:sp>
+      <p:sp>
+        <p:nvSpPr>
+          <p:cNvPr id="3" name="Content Placeholder 2"/>
+          <p:cNvSpPr>
+            <a:spLocks noGrp="1"/>
+          </p:cNvSpPr>
+          <p:nvPr>
+            <p:ph idx="1"/>
+          </p:nvPr>
+        </p:nvSpPr>
+        <p:spPr/>
+        <p:txBody>
+          <a:bodyPr/>
+          <a:lstStyle/>
+          <a:p>
+            <a:r>
+              <a:rPr lang="en-US" dirty="0" smtClean="0"/>
+              <a:t>John Jay &amp; ARTIS Transnational Terrorism Database: http</a:t>
+            </a:r>
+            <a:r>
+              <a:rPr lang="en-US" dirty="0" smtClean="0"/>
+              <a:t>://</a:t>
+            </a:r>
+            <a:r>
+              <a:rPr lang="en-US" dirty="0" smtClean="0"/>
+              <a:t>doitapps.jjay.cuny.edu/jjatt/attributes.php</a:t>
+            </a:r>
+            <a:endParaRPr lang="en-US" dirty="0" smtClean="0"/>
+          </a:p>
+          <a:p>
+            <a:r>
+              <a:rPr lang="en-US" dirty="0" smtClean="0"/>
+              <a:t>Yahoo! News: https</a:t>
+            </a:r>
+            <a:r>
+              <a:rPr lang="en-US" dirty="0" smtClean="0"/>
+              <a:t>://www.yahoo.com/news/it-costs--2-1-million-per-year-for-each-soldier-deployed-in-afghanistan--</a:t>
+            </a:r>
+            <a:r>
+              <a:rPr lang="en-US" dirty="0" smtClean="0"/>
+              <a:t>report-133150602.html</a:t>
+            </a:r>
+            <a:endParaRPr lang="en-US" dirty="0" smtClean="0"/>
+          </a:p>
+          <a:p>
+            <a:r>
+              <a:rPr lang="en-US" dirty="0" err="1" smtClean="0"/>
+              <a:t>Combatting</a:t>
+            </a:r>
+            <a:r>
+              <a:rPr lang="en-US" dirty="0" smtClean="0"/>
+              <a:t> Global Terrorist Networks and Hostile Areas of </a:t>
+            </a:r>
+            <a:r>
+              <a:rPr lang="en-US" dirty="0" smtClean="0"/>
+              <a:t>Concern: https://github.com/BlaHaws/Thinkful/blob/master/Reports/AnalyticReport.ipynb</a:t>
+            </a:r>
+          </a:p>
+        </p:txBody>
+      </p:sp>
+    </p:spTree>
+  </p:cSld>
+  <p:clrMapOvr>
+    <a:masterClrMapping/>
+  </p:clrMapOvr>
+</p:sld>
+</file>
+
+<file path=ppt/slides/slide17.xml><?xml version="1.0" encoding="utf-8"?>
+<p:sld xmlns:a="http://schemas.openxmlformats.org/drawingml/2006/main" xmlns:r="http://schemas.openxmlformats.org/officeDocument/2006/relationships" xmlns:p="http://schemas.openxmlformats.org/presentationml/2006/main">
+  <p:cSld>
+    <p:spTree>
+      <p:nvGrpSpPr>
+        <p:cNvPr id="1" name=""/>
+        <p:cNvGrpSpPr/>
+        <p:nvPr/>
+      </p:nvGrpSpPr>
+      <p:grpSpPr>
+        <a:xfrm>
+          <a:off x="0" y="0"/>
+          <a:ext cx="0" cy="0"/>
+          <a:chOff x="0" y="0"/>
+          <a:chExt cx="0" cy="0"/>
+        </a:xfrm>
+      </p:grpSpPr>
+      <p:sp>
+        <p:nvSpPr>
+          <p:cNvPr id="3" name="Content Placeholder 2"/>
+          <p:cNvSpPr>
+            <a:spLocks noGrp="1"/>
+          </p:cNvSpPr>
+          <p:nvPr>
+            <p:ph idx="1"/>
+          </p:nvPr>
+        </p:nvSpPr>
+        <p:spPr>
+          <a:xfrm>
+            <a:off x="457200" y="838200"/>
+            <a:ext cx="8229600" cy="5486400"/>
+          </a:xfrm>
+        </p:spPr>
+        <p:txBody>
+          <a:bodyPr/>
+          <a:lstStyle/>
+          <a:p>
+            <a:r>
+              <a:rPr lang="en-US" dirty="0" smtClean="0"/>
+              <a:t>Economics of National Security: Data Set Index 1.1</a:t>
+            </a:r>
+          </a:p>
+          <a:p>
+            <a:pPr lvl="1"/>
+            <a:r>
+              <a:rPr lang="en-US" dirty="0" smtClean="0"/>
+              <a:t>2.1 </a:t>
+            </a:r>
+            <a:r>
+              <a:rPr lang="en-US" dirty="0" smtClean="0"/>
+              <a:t>Defense Investment: </a:t>
+            </a:r>
+            <a:r>
+              <a:rPr lang="en-US" dirty="0" smtClean="0"/>
+              <a:t>www.nber.org/ens/feldstein/DOD_DATASETS/White%20House/defense%20investment%20by%20year.xls</a:t>
+            </a:r>
+          </a:p>
+          <a:p>
+            <a:pPr lvl="1"/>
+            <a:r>
+              <a:rPr lang="en-US" dirty="0" smtClean="0"/>
+              <a:t>9.6 Suicide </a:t>
+            </a:r>
+            <a:r>
+              <a:rPr lang="en-US" dirty="0" smtClean="0"/>
+              <a:t>Attack Database: </a:t>
+            </a:r>
+            <a:r>
+              <a:rPr lang="en-US" dirty="0" smtClean="0"/>
+              <a:t>www.nber.org/ens/feldstein/ENSA_Sources/CPOST/cpost_summaryList.csv</a:t>
+            </a:r>
+          </a:p>
+          <a:p>
+            <a:pPr lvl="1"/>
+            <a:r>
+              <a:rPr lang="en-US" dirty="0" smtClean="0"/>
+              <a:t>6.1.1 </a:t>
+            </a:r>
+            <a:r>
+              <a:rPr lang="en-US" dirty="0" smtClean="0"/>
+              <a:t>Armed Conflict UCDP: </a:t>
+            </a:r>
+            <a:r>
+              <a:rPr lang="en-US" dirty="0" smtClean="0"/>
+              <a:t>www.nber.org/ens/feldstein/ENSA_Sources/UCDP_PRIO/ArmedConflict/ucdp-onset-conf-2014.csv</a:t>
+            </a:r>
+          </a:p>
+          <a:p>
+            <a:pPr lvl="1"/>
+            <a:r>
+              <a:rPr lang="en-US" dirty="0" smtClean="0"/>
+              <a:t>9.8 High </a:t>
+            </a:r>
+            <a:r>
+              <a:rPr lang="en-US" dirty="0" smtClean="0"/>
+              <a:t>Casualty Terrorism Bombings: </a:t>
+            </a:r>
+            <a:r>
+              <a:rPr lang="en-US" dirty="0" smtClean="0"/>
+              <a:t>www.nber.org/ens/feldstein/ENSA_Sources/CSP/HCTB/HCTB2014.xls</a:t>
+            </a:r>
+          </a:p>
+        </p:txBody>
+      </p:sp>
+    </p:spTree>
+  </p:cSld>
+  <p:clrMapOvr>
+    <a:masterClrMapping/>
+  </p:clrMapOvr>
 </p:sld>
 </file>
 
@@ -5231,16 +5544,11 @@
               <a:rPr lang="en-US" dirty="0" smtClean="0"/>
               <a:t>This dataset contains 2 possible outcomes, a categorical or a continuous outcome. </a:t>
             </a:r>
-            <a:endParaRPr lang="en-US" dirty="0" smtClean="0"/>
           </a:p>
           <a:p>
             <a:r>
               <a:rPr lang="en-US" dirty="0" smtClean="0"/>
-              <a:t>Is </a:t>
-            </a:r>
-            <a:r>
-              <a:rPr lang="en-US" dirty="0" smtClean="0"/>
-              <a:t>the agent a current threat? This is a categorical label, 0 – No, 1 – Yes. Informative, but not very useful.</a:t>
+              <a:t>Is the agent a current threat? This is a categorical label, 0 – No, 1 – Yes. Informative, but not very useful.</a:t>
             </a:r>
           </a:p>
           <a:p>
@@ -5323,11 +5631,7 @@
           <a:p>
             <a:r>
               <a:rPr lang="en-US" dirty="0" smtClean="0"/>
-              <a:t>The current dataset has 10 characteristics. PCA tells us that 95% of the variance in our data is described by 9 of them</a:t>
-            </a:r>
-            <a:r>
-              <a:rPr lang="en-US" dirty="0" smtClean="0"/>
-              <a:t>.</a:t>
+              <a:t>The current dataset has 10 characteristics. PCA tells us that 95% of the variance in our data is described by 9 of them.</a:t>
             </a:r>
           </a:p>
           <a:p>

--- a/CapstoneResearch/PredictingViolentThreat.pptx
+++ b/CapstoneResearch/PredictingViolentThreat.pptx
@@ -5629,26 +5629,24 @@
           <a:bodyPr/>
           <a:lstStyle/>
           <a:p>
+            <a:pPr>
+              <a:buNone/>
+            </a:pPr>
             <a:r>
               <a:rPr lang="en-US" dirty="0" smtClean="0"/>
-              <a:t>The current dataset has 10 characteristics. PCA tells us that 95% of the variance in our data is described by 9 of them.</a:t>
-            </a:r>
-          </a:p>
-          <a:p>
+              <a:t>The current dataset has 10 characteristics. PCA tells us that 95% of the variance in our data is described by 9 of them</a:t>
+            </a:r>
             <a:r>
               <a:rPr lang="en-US" dirty="0" smtClean="0"/>
-              <a:t>This shows that almost all characteristic provide important information within the model.</a:t>
-            </a:r>
-            <a:br>
-              <a:rPr lang="en-US" dirty="0" smtClean="0"/>
-            </a:br>
-            <a:endParaRPr lang="en-US" dirty="0"/>
+              <a:t>.</a:t>
+            </a:r>
+            <a:endParaRPr lang="en-US" dirty="0" smtClean="0"/>
           </a:p>
         </p:txBody>
       </p:sp>
       <p:pic>
         <p:nvPicPr>
-          <p:cNvPr id="4" name="Picture 3" descr="pca.png"/>
+          <p:cNvPr id="5" name="Picture 4" descr="variables.png"/>
           <p:cNvPicPr>
             <a:picLocks noChangeAspect="1"/>
           </p:cNvPicPr>
@@ -5662,8 +5660,8 @@
         </p:blipFill>
         <p:spPr>
           <a:xfrm>
-            <a:off x="2286000" y="4343400"/>
-            <a:ext cx="3581400" cy="1957276"/>
+            <a:off x="3048000" y="2895600"/>
+            <a:ext cx="4043039" cy="3785755"/>
           </a:xfrm>
           <a:prstGeom prst="rect">
             <a:avLst/>

--- a/CapstoneResearch/PredictingViolentThreat.pptx
+++ b/CapstoneResearch/PredictingViolentThreat.pptx
@@ -5,26 +5,27 @@
     <p:sldMasterId id="2147483720" r:id="rId1"/>
   </p:sldMasterIdLst>
   <p:notesMasterIdLst>
-    <p:notesMasterId r:id="rId19"/>
+    <p:notesMasterId r:id="rId20"/>
   </p:notesMasterIdLst>
   <p:sldIdLst>
     <p:sldId id="256" r:id="rId2"/>
     <p:sldId id="257" r:id="rId3"/>
-    <p:sldId id="258" r:id="rId4"/>
-    <p:sldId id="259" r:id="rId5"/>
-    <p:sldId id="260" r:id="rId6"/>
-    <p:sldId id="261" r:id="rId7"/>
-    <p:sldId id="262" r:id="rId8"/>
-    <p:sldId id="267" r:id="rId9"/>
-    <p:sldId id="269" r:id="rId10"/>
-    <p:sldId id="272" r:id="rId11"/>
-    <p:sldId id="263" r:id="rId12"/>
-    <p:sldId id="264" r:id="rId13"/>
-    <p:sldId id="268" r:id="rId14"/>
-    <p:sldId id="265" r:id="rId15"/>
-    <p:sldId id="266" r:id="rId16"/>
-    <p:sldId id="270" r:id="rId17"/>
-    <p:sldId id="271" r:id="rId18"/>
+    <p:sldId id="273" r:id="rId4"/>
+    <p:sldId id="258" r:id="rId5"/>
+    <p:sldId id="259" r:id="rId6"/>
+    <p:sldId id="260" r:id="rId7"/>
+    <p:sldId id="261" r:id="rId8"/>
+    <p:sldId id="262" r:id="rId9"/>
+    <p:sldId id="267" r:id="rId10"/>
+    <p:sldId id="269" r:id="rId11"/>
+    <p:sldId id="272" r:id="rId12"/>
+    <p:sldId id="263" r:id="rId13"/>
+    <p:sldId id="264" r:id="rId14"/>
+    <p:sldId id="268" r:id="rId15"/>
+    <p:sldId id="265" r:id="rId16"/>
+    <p:sldId id="266" r:id="rId17"/>
+    <p:sldId id="270" r:id="rId18"/>
+    <p:sldId id="271" r:id="rId19"/>
   </p:sldIdLst>
   <p:sldSz cx="9144000" cy="6858000" type="screen4x3"/>
   <p:notesSz cx="6858000" cy="9144000"/>
@@ -4285,6 +4286,12 @@
             </a:r>
           </a:p>
           <a:p>
+            <a:r>
+              <a:rPr lang="en-US" dirty="0" smtClean="0"/>
+              <a:t>Capstone Unit 3</a:t>
+            </a:r>
+          </a:p>
+          <a:p>
             <a:endParaRPr lang="en-US" dirty="0"/>
           </a:p>
         </p:txBody>
@@ -4333,43 +4340,42 @@
         </p:nvSpPr>
         <p:spPr/>
         <p:txBody>
-          <a:bodyPr/>
-          <a:lstStyle/>
-          <a:p>
-            <a:r>
-              <a:rPr lang="en-US" dirty="0" smtClean="0"/>
-              <a:t>Chosen model</a:t>
+          <a:bodyPr>
+            <a:normAutofit/>
+          </a:bodyPr>
+          <a:lstStyle/>
+          <a:p>
+            <a:r>
+              <a:rPr lang="en-US" dirty="0" smtClean="0"/>
+              <a:t>Narrowing it down</a:t>
             </a:r>
             <a:endParaRPr lang="en-US" dirty="0"/>
           </a:p>
         </p:txBody>
       </p:sp>
-      <p:sp>
-        <p:nvSpPr>
-          <p:cNvPr id="3" name="Content Placeholder 2"/>
-          <p:cNvSpPr>
-            <a:spLocks noGrp="1"/>
-          </p:cNvSpPr>
+      <p:pic>
+        <p:nvPicPr>
+          <p:cNvPr id="4" name="Content Placeholder 3" descr="regression.png"/>
+          <p:cNvPicPr>
+            <a:picLocks noGrp="1" noChangeAspect="1"/>
+          </p:cNvPicPr>
           <p:nvPr>
             <p:ph idx="1"/>
           </p:nvPr>
-        </p:nvSpPr>
-        <p:spPr/>
-        <p:txBody>
-          <a:bodyPr/>
-          <a:lstStyle/>
-          <a:p>
-            <a:pPr>
-              <a:buNone/>
-            </a:pPr>
-            <a:r>
-              <a:rPr lang="en-US" dirty="0" smtClean="0"/>
-              <a:t>In the end, I chose to use the Gradient Boosted Regression for my prediction. Though GBRs have a possibility for over-fitting, using a small learning rate helped to ensure that no iteration outweighed the others. I believe both a GBR or a K-NN are a good option for future testing when introduced into an agent-based model system.</a:t>
-            </a:r>
-            <a:endParaRPr lang="en-US" dirty="0"/>
-          </a:p>
-        </p:txBody>
-      </p:sp>
+        </p:nvPicPr>
+        <p:blipFill>
+          <a:blip r:embed="rId2" cstate="print"/>
+          <a:stretch>
+            <a:fillRect/>
+          </a:stretch>
+        </p:blipFill>
+        <p:spPr>
+          <a:xfrm>
+            <a:off x="228600" y="3124200"/>
+            <a:ext cx="8711999" cy="2286000"/>
+          </a:xfrm>
+        </p:spPr>
+      </p:pic>
     </p:spTree>
   </p:cSld>
   <p:clrMapOvr>
@@ -4407,62 +4413,48 @@
         </p:nvSpPr>
         <p:spPr/>
         <p:txBody>
-          <a:bodyPr>
-            <a:normAutofit/>
-          </a:bodyPr>
-          <a:lstStyle/>
-          <a:p>
-            <a:r>
-              <a:rPr lang="en-US" dirty="0" smtClean="0"/>
-              <a:t>Predicted </a:t>
-            </a:r>
-            <a:r>
-              <a:rPr lang="en-US" dirty="0" err="1" smtClean="0"/>
-              <a:t>vs</a:t>
-            </a:r>
-            <a:r>
-              <a:rPr lang="en-US" dirty="0" smtClean="0"/>
-              <a:t> Actual Training Set</a:t>
+          <a:bodyPr/>
+          <a:lstStyle/>
+          <a:p>
+            <a:r>
+              <a:rPr lang="en-US" dirty="0" smtClean="0"/>
+              <a:t>Chosen model</a:t>
             </a:r>
             <a:endParaRPr lang="en-US" dirty="0"/>
           </a:p>
         </p:txBody>
       </p:sp>
-      <p:pic>
-        <p:nvPicPr>
-          <p:cNvPr id="4" name="Content Placeholder 3" descr="train_x.png"/>
-          <p:cNvPicPr>
-            <a:picLocks noGrp="1" noChangeAspect="1"/>
-          </p:cNvPicPr>
+      <p:sp>
+        <p:nvSpPr>
+          <p:cNvPr id="3" name="Content Placeholder 2"/>
+          <p:cNvSpPr>
+            <a:spLocks noGrp="1"/>
+          </p:cNvSpPr>
           <p:nvPr>
             <p:ph idx="1"/>
           </p:nvPr>
-        </p:nvPicPr>
-        <p:blipFill>
-          <a:blip r:embed="rId2" cstate="print"/>
-          <a:stretch>
-            <a:fillRect/>
-          </a:stretch>
-        </p:blipFill>
-        <p:spPr>
-          <a:xfrm>
-            <a:off x="381000" y="2249542"/>
-            <a:ext cx="8326489" cy="4303657"/>
-          </a:xfrm>
-        </p:spPr>
-      </p:pic>
+        </p:nvSpPr>
+        <p:spPr/>
+        <p:txBody>
+          <a:bodyPr/>
+          <a:lstStyle/>
+          <a:p>
+            <a:pPr>
+              <a:buNone/>
+            </a:pPr>
+            <a:r>
+              <a:rPr lang="en-US" dirty="0" smtClean="0"/>
+              <a:t>In the end, I chose to use the Gradient Boosted Regression for my prediction. Though GBRs have a possibility for over-fitting, using a small learning rate helped to ensure that no iteration outweighed the others. I believe both a GBR or a K-NN are a good option for future testing when introduced into an agent-based model system.</a:t>
+            </a:r>
+            <a:endParaRPr lang="en-US" dirty="0"/>
+          </a:p>
+        </p:txBody>
+      </p:sp>
     </p:spTree>
   </p:cSld>
   <p:clrMapOvr>
     <a:masterClrMapping/>
   </p:clrMapOvr>
-  <p:timing>
-    <p:tnLst>
-      <p:par>
-        <p:cTn id="1" dur="indefinite" restart="never" nodeType="tmRoot"/>
-      </p:par>
-    </p:tnLst>
-  </p:timing>
 </p:sld>
 </file>
 
@@ -4495,12 +4487,22 @@
         </p:nvSpPr>
         <p:spPr/>
         <p:txBody>
-          <a:bodyPr/>
-          <a:lstStyle/>
-          <a:p>
-            <a:r>
-              <a:rPr lang="en-US" dirty="0" smtClean="0"/>
-              <a:t>Predicted – Unknown Result</a:t>
+          <a:bodyPr>
+            <a:normAutofit/>
+          </a:bodyPr>
+          <a:lstStyle/>
+          <a:p>
+            <a:r>
+              <a:rPr lang="en-US" dirty="0" smtClean="0"/>
+              <a:t>Predicted </a:t>
+            </a:r>
+            <a:r>
+              <a:rPr lang="en-US" dirty="0" err="1" smtClean="0"/>
+              <a:t>vs</a:t>
+            </a:r>
+            <a:r>
+              <a:rPr lang="en-US" dirty="0" smtClean="0"/>
+              <a:t> Actual Training Set</a:t>
             </a:r>
             <a:endParaRPr lang="en-US" dirty="0"/>
           </a:p>
@@ -4508,7 +4510,7 @@
       </p:sp>
       <p:pic>
         <p:nvPicPr>
-          <p:cNvPr id="4" name="Content Placeholder 3" descr="predict_x.png"/>
+          <p:cNvPr id="4" name="Content Placeholder 3" descr="train_x.png"/>
           <p:cNvPicPr>
             <a:picLocks noGrp="1" noChangeAspect="1"/>
           </p:cNvPicPr>
@@ -4524,7 +4526,7 @@
         </p:blipFill>
         <p:spPr>
           <a:xfrm>
-            <a:off x="360311" y="2249542"/>
+            <a:off x="381000" y="2249542"/>
             <a:ext cx="8326489" cy="4303657"/>
           </a:xfrm>
         </p:spPr>
@@ -4578,43 +4580,47 @@
           <a:p>
             <a:r>
               <a:rPr lang="en-US" dirty="0" smtClean="0"/>
-              <a:t>Who cares?</a:t>
+              <a:t>Predicted – Unknown Result</a:t>
             </a:r>
             <a:endParaRPr lang="en-US" dirty="0"/>
           </a:p>
         </p:txBody>
       </p:sp>
-      <p:sp>
-        <p:nvSpPr>
-          <p:cNvPr id="3" name="Content Placeholder 2"/>
-          <p:cNvSpPr>
-            <a:spLocks noGrp="1"/>
-          </p:cNvSpPr>
+      <p:pic>
+        <p:nvPicPr>
+          <p:cNvPr id="4" name="Content Placeholder 3" descr="predict_x.png"/>
+          <p:cNvPicPr>
+            <a:picLocks noGrp="1" noChangeAspect="1"/>
+          </p:cNvPicPr>
           <p:nvPr>
             <p:ph idx="1"/>
           </p:nvPr>
-        </p:nvSpPr>
-        <p:spPr/>
-        <p:txBody>
-          <a:bodyPr/>
-          <a:lstStyle/>
-          <a:p>
-            <a:pPr>
-              <a:buNone/>
-            </a:pPr>
-            <a:r>
-              <a:rPr lang="en-US" dirty="0" smtClean="0"/>
-              <a:t>These predictions are meant to be of interest and value to those in the national defense and military logistics fields, which includes agencies such as the Department of Defense and the Defense Intelligence Agency.</a:t>
-            </a:r>
-            <a:endParaRPr lang="en-US" dirty="0"/>
-          </a:p>
-        </p:txBody>
-      </p:sp>
+        </p:nvPicPr>
+        <p:blipFill>
+          <a:blip r:embed="rId2" cstate="print"/>
+          <a:stretch>
+            <a:fillRect/>
+          </a:stretch>
+        </p:blipFill>
+        <p:spPr>
+          <a:xfrm>
+            <a:off x="360311" y="2249542"/>
+            <a:ext cx="8326489" cy="4303657"/>
+          </a:xfrm>
+        </p:spPr>
+      </p:pic>
     </p:spTree>
   </p:cSld>
   <p:clrMapOvr>
     <a:masterClrMapping/>
   </p:clrMapOvr>
+  <p:timing>
+    <p:tnLst>
+      <p:par>
+        <p:cTn id="1" dur="indefinite" restart="never" nodeType="tmRoot"/>
+      </p:par>
+    </p:tnLst>
+  </p:timing>
 </p:sld>
 </file>
 
@@ -4647,14 +4653,12 @@
         </p:nvSpPr>
         <p:spPr/>
         <p:txBody>
-          <a:bodyPr>
-            <a:normAutofit fontScale="90000"/>
-          </a:bodyPr>
-          <a:lstStyle/>
-          <a:p>
-            <a:r>
-              <a:rPr lang="en-US" dirty="0" smtClean="0"/>
-              <a:t>Why should we use this information?</a:t>
+          <a:bodyPr/>
+          <a:lstStyle/>
+          <a:p>
+            <a:r>
+              <a:rPr lang="en-US" dirty="0" smtClean="0"/>
+              <a:t>Who cares?</a:t>
             </a:r>
             <a:endParaRPr lang="en-US" dirty="0"/>
           </a:p>
@@ -4680,23 +4684,7 @@
             </a:pPr>
             <a:r>
               <a:rPr lang="en-US" dirty="0" smtClean="0"/>
-              <a:t>With the increase of terror attacks around the globe, the United States military forces are being deployed in response. It costs </a:t>
-            </a:r>
-            <a:r>
-              <a:rPr lang="en-US" dirty="0" smtClean="0"/>
-              <a:t>$2,100,00 </a:t>
-            </a:r>
-            <a:r>
-              <a:rPr lang="en-US" dirty="0" smtClean="0"/>
-              <a:t>to deploy just 1 </a:t>
-            </a:r>
-            <a:r>
-              <a:rPr lang="en-US" dirty="0" smtClean="0"/>
-              <a:t>soldier to Afghanistan. </a:t>
-            </a:r>
-            <a:r>
-              <a:rPr lang="en-US" dirty="0" smtClean="0"/>
-              <a:t>This does not include any redeployment cost should the soldier be required to move to a new hot spot. If we are able to predict the dangerous areas before deployment, we could deploy our forces more effectively and efficiently.</a:t>
+              <a:t>These predictions are meant to be of interest and value to those in the national defense and military logistics fields, which includes agencies such as the Department of Defense and the Defense Intelligence Agency.</a:t>
             </a:r>
             <a:endParaRPr lang="en-US" dirty="0"/>
           </a:p>
@@ -4707,13 +4695,6 @@
   <p:clrMapOvr>
     <a:masterClrMapping/>
   </p:clrMapOvr>
-  <p:timing>
-    <p:tnLst>
-      <p:par>
-        <p:cTn id="1" dur="indefinite" restart="never" nodeType="tmRoot"/>
-      </p:par>
-    </p:tnLst>
-  </p:timing>
 </p:sld>
 </file>
 
@@ -4746,12 +4727,14 @@
         </p:nvSpPr>
         <p:spPr/>
         <p:txBody>
-          <a:bodyPr/>
-          <a:lstStyle/>
-          <a:p>
-            <a:r>
-              <a:rPr lang="en-US" dirty="0" smtClean="0"/>
-              <a:t>Where can this data go?</a:t>
+          <a:bodyPr>
+            <a:normAutofit fontScale="90000"/>
+          </a:bodyPr>
+          <a:lstStyle/>
+          <a:p>
+            <a:r>
+              <a:rPr lang="en-US" dirty="0" smtClean="0"/>
+              <a:t>Why should we use this information?</a:t>
             </a:r>
             <a:endParaRPr lang="en-US" dirty="0"/>
           </a:p>
@@ -4777,7 +4760,23 @@
             </a:pPr>
             <a:r>
               <a:rPr lang="en-US" dirty="0" smtClean="0"/>
-              <a:t>Using an agent-based model, we can predict each agent’s probability to commit a violent action within a specific region (e.g., a city), sum all agents’ probability, and calculate the overall probability of a violent action occurring for that region. This is particularly useful when testing for the most efficient deployment of military forces, determining whether the region’s probability rises or falls.</a:t>
+              <a:t>With the increase of terror attacks around the globe, the United States military forces are being deployed in response. It costs </a:t>
+            </a:r>
+            <a:r>
+              <a:rPr lang="en-US" dirty="0" smtClean="0"/>
+              <a:t>$2,100,00 </a:t>
+            </a:r>
+            <a:r>
+              <a:rPr lang="en-US" dirty="0" smtClean="0"/>
+              <a:t>to deploy just 1 </a:t>
+            </a:r>
+            <a:r>
+              <a:rPr lang="en-US" dirty="0" smtClean="0"/>
+              <a:t>soldier to Afghanistan. </a:t>
+            </a:r>
+            <a:r>
+              <a:rPr lang="en-US" dirty="0" smtClean="0"/>
+              <a:t>This does not include any redeployment cost should the soldier be required to move to a new hot spot. If we are able to predict the dangerous areas before deployment, we could deploy our forces more effectively and efficiently.</a:t>
             </a:r>
             <a:endParaRPr lang="en-US" dirty="0"/>
           </a:p>
@@ -4832,6 +4831,87 @@
           <a:p>
             <a:r>
               <a:rPr lang="en-US" dirty="0" smtClean="0"/>
+              <a:t>Where can this data go?</a:t>
+            </a:r>
+            <a:endParaRPr lang="en-US" dirty="0"/>
+          </a:p>
+        </p:txBody>
+      </p:sp>
+      <p:sp>
+        <p:nvSpPr>
+          <p:cNvPr id="3" name="Content Placeholder 2"/>
+          <p:cNvSpPr>
+            <a:spLocks noGrp="1"/>
+          </p:cNvSpPr>
+          <p:nvPr>
+            <p:ph idx="1"/>
+          </p:nvPr>
+        </p:nvSpPr>
+        <p:spPr/>
+        <p:txBody>
+          <a:bodyPr/>
+          <a:lstStyle/>
+          <a:p>
+            <a:pPr>
+              <a:buNone/>
+            </a:pPr>
+            <a:r>
+              <a:rPr lang="en-US" dirty="0" smtClean="0"/>
+              <a:t>Using an agent-based model, we can predict each agent’s probability to commit a violent action within a specific region (e.g., a city), sum all agents’ probability, and calculate the overall probability of a violent action occurring for that region. This is particularly useful when testing for the most efficient deployment of military forces, determining whether the region’s probability rises or falls.</a:t>
+            </a:r>
+            <a:endParaRPr lang="en-US" dirty="0"/>
+          </a:p>
+        </p:txBody>
+      </p:sp>
+    </p:spTree>
+  </p:cSld>
+  <p:clrMapOvr>
+    <a:masterClrMapping/>
+  </p:clrMapOvr>
+  <p:timing>
+    <p:tnLst>
+      <p:par>
+        <p:cTn id="1" dur="indefinite" restart="never" nodeType="tmRoot"/>
+      </p:par>
+    </p:tnLst>
+  </p:timing>
+</p:sld>
+</file>
+
+<file path=ppt/slides/slide17.xml><?xml version="1.0" encoding="utf-8"?>
+<p:sld xmlns:a="http://schemas.openxmlformats.org/drawingml/2006/main" xmlns:r="http://schemas.openxmlformats.org/officeDocument/2006/relationships" xmlns:p="http://schemas.openxmlformats.org/presentationml/2006/main">
+  <p:cSld>
+    <p:spTree>
+      <p:nvGrpSpPr>
+        <p:cNvPr id="1" name=""/>
+        <p:cNvGrpSpPr/>
+        <p:nvPr/>
+      </p:nvGrpSpPr>
+      <p:grpSpPr>
+        <a:xfrm>
+          <a:off x="0" y="0"/>
+          <a:ext cx="0" cy="0"/>
+          <a:chOff x="0" y="0"/>
+          <a:chExt cx="0" cy="0"/>
+        </a:xfrm>
+      </p:grpSpPr>
+      <p:sp>
+        <p:nvSpPr>
+          <p:cNvPr id="2" name="Title 1"/>
+          <p:cNvSpPr>
+            <a:spLocks noGrp="1"/>
+          </p:cNvSpPr>
+          <p:nvPr>
+            <p:ph type="title"/>
+          </p:nvPr>
+        </p:nvSpPr>
+        <p:spPr/>
+        <p:txBody>
+          <a:bodyPr/>
+          <a:lstStyle/>
+          <a:p>
+            <a:r>
+              <a:rPr lang="en-US" dirty="0" smtClean="0"/>
               <a:t>Bibliography</a:t>
             </a:r>
             <a:endParaRPr lang="en-US" dirty="0"/>
@@ -4906,7 +4986,7 @@
 </p:sld>
 </file>
 
-<file path=ppt/slides/slide17.xml><?xml version="1.0" encoding="utf-8"?>
+<file path=ppt/slides/slide18.xml><?xml version="1.0" encoding="utf-8"?>
 <p:sld xmlns:a="http://schemas.openxmlformats.org/drawingml/2006/main" xmlns:r="http://schemas.openxmlformats.org/officeDocument/2006/relationships" xmlns:p="http://schemas.openxmlformats.org/presentationml/2006/main">
   <p:cSld>
     <p:spTree>
@@ -5135,7 +5215,7 @@
           <a:p>
             <a:r>
               <a:rPr lang="en-US" dirty="0" smtClean="0"/>
-              <a:t>What characteristics?</a:t>
+              <a:t>Data Set</a:t>
             </a:r>
             <a:endParaRPr lang="en-US" dirty="0"/>
           </a:p>
@@ -5157,42 +5237,20 @@
           <a:lstStyle/>
           <a:p>
             <a:r>
-              <a:rPr lang="en-US" u="sng" dirty="0" smtClean="0"/>
-              <a:t>Ages (ages)</a:t>
-            </a:r>
-            <a:r>
-              <a:rPr lang="en-US" dirty="0" smtClean="0"/>
-              <a:t>: The current age of the agent, ranges from 17-56. Average age: 36. ((Static))</a:t>
-            </a:r>
-          </a:p>
-          <a:p>
-            <a:r>
-              <a:rPr lang="en-US" u="sng" dirty="0" smtClean="0"/>
-              <a:t>Gender (gender)</a:t>
-            </a:r>
-            <a:r>
-              <a:rPr lang="en-US" dirty="0" smtClean="0"/>
-              <a:t>: The gender of the agent. 0 – Male, 1 – Female. Split: 90/10((Static))</a:t>
-            </a:r>
-          </a:p>
-          <a:p>
-            <a:r>
-              <a:rPr lang="en-US" u="sng" dirty="0" smtClean="0"/>
-              <a:t>Religion (religion)</a:t>
-            </a:r>
-            <a:r>
-              <a:rPr lang="en-US" dirty="0" smtClean="0"/>
-              <a:t>: The claimed religion of the agent. 0 – Islam, 1 – Other. Split: 80/20((Static))</a:t>
-            </a:r>
-          </a:p>
-          <a:p>
-            <a:r>
-              <a:rPr lang="en-US" u="sng" dirty="0" smtClean="0"/>
-              <a:t>Role (role)</a:t>
-            </a:r>
-            <a:r>
-              <a:rPr lang="en-US" dirty="0" smtClean="0"/>
-              <a:t>: The role of the agent within the network. 0 – Fighter, 1 – Funding, 2 – Intel, 3 – Command. Split: 50/22/22/6 ((Static))</a:t>
+              <a:rPr lang="en-US" dirty="0" smtClean="0"/>
+              <a:t>This data set was created using distributions that were researched using various other data sets. </a:t>
+            </a:r>
+          </a:p>
+          <a:p>
+            <a:r>
+              <a:rPr lang="en-US" dirty="0" smtClean="0"/>
+              <a:t>The training test set has 10,000 agents with 10 characteristics and 2 pre-determined outcomes.</a:t>
+            </a:r>
+          </a:p>
+          <a:p>
+            <a:r>
+              <a:rPr lang="en-US" dirty="0" smtClean="0"/>
+              <a:t>The prediction set also has 10,000 agent with 10 characteristics but no determined outcomes.</a:t>
             </a:r>
           </a:p>
         </p:txBody>
@@ -5202,13 +5260,6 @@
   <p:clrMapOvr>
     <a:masterClrMapping/>
   </p:clrMapOvr>
-  <p:timing>
-    <p:tnLst>
-      <p:par>
-        <p:cTn id="1" dur="indefinite" restart="never" nodeType="tmRoot"/>
-      </p:par>
-    </p:tnLst>
-  </p:timing>
 </p:sld>
 </file>
 
@@ -5246,7 +5297,7 @@
           <a:p>
             <a:r>
               <a:rPr lang="en-US" dirty="0" smtClean="0"/>
-              <a:t>Characteristics Cont.</a:t>
+              <a:t>What characteristics?</a:t>
             </a:r>
             <a:endParaRPr lang="en-US" dirty="0"/>
           </a:p>
@@ -5264,93 +5315,47 @@
         </p:nvSpPr>
         <p:spPr/>
         <p:txBody>
-          <a:bodyPr>
-            <a:normAutofit fontScale="92500" lnSpcReduction="20000"/>
-          </a:bodyPr>
+          <a:bodyPr/>
           <a:lstStyle/>
           <a:p>
             <a:r>
               <a:rPr lang="en-US" u="sng" dirty="0" smtClean="0"/>
-              <a:t>Aggressive Behavior (</a:t>
-            </a:r>
-            <a:r>
-              <a:rPr lang="en-US" u="sng" dirty="0" err="1" smtClean="0"/>
-              <a:t>agr_bhv</a:t>
-            </a:r>
+              <a:t>Ages (ages)</a:t>
+            </a:r>
+            <a:r>
+              <a:rPr lang="en-US" dirty="0" smtClean="0"/>
+              <a:t>: The current age of the agent, ranges from 17-56. Average age: 36. ((Static))</a:t>
+            </a:r>
+          </a:p>
+          <a:p>
             <a:r>
               <a:rPr lang="en-US" u="sng" dirty="0" smtClean="0"/>
-              <a:t>)</a:t>
-            </a:r>
-            <a:r>
-              <a:rPr lang="en-US" dirty="0" smtClean="0"/>
-              <a:t>: The natural tendency of the agent towards hostility. Ranges: 0 – 1, Mean: 0.388, Std: .210 ((Static))</a:t>
+              <a:t>Gender (gender)</a:t>
+            </a:r>
+            <a:r>
+              <a:rPr lang="en-US" dirty="0" smtClean="0"/>
+              <a:t>: The gender of the agent. 0 – Male, 1 – Female. Split: 90/10((Static))</a:t>
             </a:r>
           </a:p>
           <a:p>
             <a:r>
               <a:rPr lang="en-US" u="sng" dirty="0" smtClean="0"/>
-              <a:t>Religious Fanaticism (</a:t>
-            </a:r>
-            <a:r>
-              <a:rPr lang="en-US" u="sng" dirty="0" err="1" smtClean="0"/>
-              <a:t>rel_fnt</a:t>
-            </a:r>
+              <a:t>Religion (religion)</a:t>
+            </a:r>
+            <a:r>
+              <a:rPr lang="en-US" dirty="0" smtClean="0"/>
+              <a:t>: The claimed religion of the agent. 0 – Islam, 1 – Other. Split: 80/20((Static))</a:t>
+            </a:r>
+          </a:p>
+          <a:p>
             <a:r>
               <a:rPr lang="en-US" u="sng" dirty="0" smtClean="0"/>
-              <a:t>)</a:t>
-            </a:r>
-            <a:r>
-              <a:rPr lang="en-US" dirty="0" smtClean="0"/>
-              <a:t>: How strictly adherent to the agent’s religion is the agent. Ranges: 0 – 1, Mean: 0.596, Std: 0.146 ((Static))</a:t>
-            </a:r>
-          </a:p>
-          <a:p>
-            <a:r>
-              <a:rPr lang="en-US" u="sng" dirty="0" smtClean="0"/>
-              <a:t>Hatred Toward Foreigners (</a:t>
-            </a:r>
-            <a:r>
-              <a:rPr lang="en-US" u="sng" dirty="0" err="1" smtClean="0"/>
-              <a:t>hst_twd_for</a:t>
-            </a:r>
-            <a:r>
-              <a:rPr lang="en-US" u="sng" dirty="0" smtClean="0"/>
-              <a:t>)</a:t>
-            </a:r>
-            <a:r>
-              <a:rPr lang="en-US" dirty="0" smtClean="0"/>
-              <a:t>: The natural tendency for hatred towards foreigners. Ranges: 0 – 1, Mean: 0.469, Std: 0.239 ((Static))</a:t>
-            </a:r>
-          </a:p>
-          <a:p>
-            <a:r>
-              <a:rPr lang="en-US" u="sng" dirty="0" smtClean="0"/>
-              <a:t>Religious </a:t>
-            </a:r>
-            <a:r>
-              <a:rPr lang="en-US" u="sng" dirty="0" err="1" smtClean="0"/>
-              <a:t>Agression</a:t>
-            </a:r>
-            <a:r>
-              <a:rPr lang="en-US" u="sng" dirty="0" smtClean="0"/>
-              <a:t> (</a:t>
-            </a:r>
-            <a:r>
-              <a:rPr lang="en-US" u="sng" dirty="0" err="1" smtClean="0"/>
-              <a:t>rel_agr</a:t>
-            </a:r>
-            <a:r>
-              <a:rPr lang="en-US" u="sng" dirty="0" smtClean="0"/>
-              <a:t>)</a:t>
-            </a:r>
-            <a:r>
-              <a:rPr lang="en-US" dirty="0" smtClean="0"/>
-              <a:t>: How aggressive an agent is in forwarding their religion. Calculated by Aggressive Behavior x Religious Fanaticism. Ranges: 0 – 1, Mean: 0.251, 0.152 ((Static)) </a:t>
-            </a:r>
-            <a:endParaRPr lang="en-US" u="sng" dirty="0" smtClean="0"/>
-          </a:p>
-          <a:p>
-            <a:endParaRPr lang="en-US" u="sng" dirty="0"/>
+              <a:t>Role (role)</a:t>
+            </a:r>
+            <a:r>
+              <a:rPr lang="en-US" dirty="0" smtClean="0"/>
+              <a:t>: The role of the agent within the network. 0 – Fighter, 1 – Funding, 2 – Intel, 3 – Command. Split: 50/22/22/6 ((Static))</a:t>
+            </a:r>
           </a:p>
         </p:txBody>
       </p:sp>
@@ -5422,21 +5427,17 @@
         <p:spPr/>
         <p:txBody>
           <a:bodyPr>
-            <a:normAutofit/>
+            <a:normAutofit fontScale="92500" lnSpcReduction="20000"/>
           </a:bodyPr>
           <a:lstStyle/>
           <a:p>
             <a:r>
-              <a:rPr lang="en-US" dirty="0" smtClean="0"/>
-              <a:t> </a:t>
-            </a:r>
-            <a:r>
               <a:rPr lang="en-US" u="sng" dirty="0" smtClean="0"/>
-              <a:t>Level of Recent Activity* (</a:t>
+              <a:t>Aggressive Behavior (</a:t>
             </a:r>
             <a:r>
               <a:rPr lang="en-US" u="sng" dirty="0" err="1" smtClean="0"/>
-              <a:t>lvl_rct_act</a:t>
+              <a:t>agr_bhv</a:t>
             </a:r>
             <a:r>
               <a:rPr lang="en-US" u="sng" dirty="0" smtClean="0"/>
@@ -5444,17 +5445,17 @@
             </a:r>
             <a:r>
               <a:rPr lang="en-US" dirty="0" smtClean="0"/>
-              <a:t>: When was the last terrorist action taken by the agent, diminishes with time. Each terrorist action resets the value to 1. Ranges: 0 – 1, Mean: 0.394, Std: 0.241 ((Variable))</a:t>
+              <a:t>: The natural tendency of the agent towards hostility. Ranges: 0 – 1, Mean: 0.388, Std: .210 ((Static))</a:t>
             </a:r>
           </a:p>
           <a:p>
             <a:r>
               <a:rPr lang="en-US" u="sng" dirty="0" smtClean="0"/>
-              <a:t>Current Aggression Level* (</a:t>
+              <a:t>Religious Fanaticism (</a:t>
             </a:r>
             <a:r>
               <a:rPr lang="en-US" u="sng" dirty="0" err="1" smtClean="0"/>
-              <a:t>crt_agr_lvl</a:t>
+              <a:t>rel_fnt</a:t>
             </a:r>
             <a:r>
               <a:rPr lang="en-US" u="sng" dirty="0" smtClean="0"/>
@@ -5462,8 +5463,56 @@
             </a:r>
             <a:r>
               <a:rPr lang="en-US" dirty="0" smtClean="0"/>
-              <a:t>: Regardless of the agent’s natural aggressive tendencies, how currently aggressive is the agent. Fluctuates in response to outside forces and other variables. Ranges: 0 – 1, Mean: 0.543, Std: 0.258 ((Variable))</a:t>
-            </a:r>
+              <a:t>: How strictly adherent to the agent’s religion is the agent. Ranges: 0 – 1, Mean: 0.596, Std: 0.146 ((Static))</a:t>
+            </a:r>
+          </a:p>
+          <a:p>
+            <a:r>
+              <a:rPr lang="en-US" u="sng" dirty="0" smtClean="0"/>
+              <a:t>Hatred Toward Foreigners (</a:t>
+            </a:r>
+            <a:r>
+              <a:rPr lang="en-US" u="sng" dirty="0" err="1" smtClean="0"/>
+              <a:t>hst_twd_for</a:t>
+            </a:r>
+            <a:r>
+              <a:rPr lang="en-US" u="sng" dirty="0" smtClean="0"/>
+              <a:t>)</a:t>
+            </a:r>
+            <a:r>
+              <a:rPr lang="en-US" dirty="0" smtClean="0"/>
+              <a:t>: The natural tendency for hatred towards foreigners. Ranges: 0 – 1, Mean: 0.469, Std: 0.239 ((Static))</a:t>
+            </a:r>
+          </a:p>
+          <a:p>
+            <a:r>
+              <a:rPr lang="en-US" u="sng" dirty="0" smtClean="0"/>
+              <a:t>Religious </a:t>
+            </a:r>
+            <a:r>
+              <a:rPr lang="en-US" u="sng" dirty="0" err="1" smtClean="0"/>
+              <a:t>Agression</a:t>
+            </a:r>
+            <a:r>
+              <a:rPr lang="en-US" u="sng" dirty="0" smtClean="0"/>
+              <a:t> (</a:t>
+            </a:r>
+            <a:r>
+              <a:rPr lang="en-US" u="sng" dirty="0" err="1" smtClean="0"/>
+              <a:t>rel_agr</a:t>
+            </a:r>
+            <a:r>
+              <a:rPr lang="en-US" u="sng" dirty="0" smtClean="0"/>
+              <a:t>)</a:t>
+            </a:r>
+            <a:r>
+              <a:rPr lang="en-US" dirty="0" smtClean="0"/>
+              <a:t>: How aggressive an agent is in forwarding their religion. Calculated by Aggressive Behavior x Religious Fanaticism. Ranges: 0 – 1, Mean: 0.251, 0.152 ((Static)) </a:t>
+            </a:r>
+            <a:endParaRPr lang="en-US" u="sng" dirty="0" smtClean="0"/>
+          </a:p>
+          <a:p>
+            <a:endParaRPr lang="en-US" u="sng" dirty="0"/>
           </a:p>
         </p:txBody>
       </p:sp>
@@ -5516,7 +5565,7 @@
           <a:p>
             <a:r>
               <a:rPr lang="en-US" dirty="0" smtClean="0"/>
-              <a:t>What are we testing for?</a:t>
+              <a:t>Characteristics Cont.</a:t>
             </a:r>
             <a:endParaRPr lang="en-US" dirty="0"/>
           </a:p>
@@ -5534,27 +5583,48 @@
         </p:nvSpPr>
         <p:spPr/>
         <p:txBody>
-          <a:bodyPr/>
-          <a:lstStyle/>
-          <a:p>
-            <a:pPr>
-              <a:buNone/>
-            </a:pPr>
-            <a:r>
-              <a:rPr lang="en-US" dirty="0" smtClean="0"/>
-              <a:t>This dataset contains 2 possible outcomes, a categorical or a continuous outcome. </a:t>
-            </a:r>
-          </a:p>
-          <a:p>
-            <a:r>
-              <a:rPr lang="en-US" dirty="0" smtClean="0"/>
-              <a:t>Is the agent a current threat? This is a categorical label, 0 – No, 1 – Yes. Informative, but not very useful.</a:t>
-            </a:r>
-          </a:p>
-          <a:p>
-            <a:r>
-              <a:rPr lang="en-US" dirty="0" smtClean="0"/>
-              <a:t>What is the probability of being a threat? This is a continuous variable, ranging from 0 to 1. This is informative, and much more useful.</a:t>
+          <a:bodyPr>
+            <a:normAutofit/>
+          </a:bodyPr>
+          <a:lstStyle/>
+          <a:p>
+            <a:r>
+              <a:rPr lang="en-US" dirty="0" smtClean="0"/>
+              <a:t> </a:t>
+            </a:r>
+            <a:r>
+              <a:rPr lang="en-US" u="sng" dirty="0" smtClean="0"/>
+              <a:t>Level of Recent Activity* (</a:t>
+            </a:r>
+            <a:r>
+              <a:rPr lang="en-US" u="sng" dirty="0" err="1" smtClean="0"/>
+              <a:t>lvl_rct_act</a:t>
+            </a:r>
+            <a:r>
+              <a:rPr lang="en-US" u="sng" dirty="0" smtClean="0"/>
+              <a:t>)</a:t>
+            </a:r>
+            <a:r>
+              <a:rPr lang="en-US" dirty="0" smtClean="0"/>
+              <a:t>: When was the last terrorist action taken by the agent, diminishes with time. Each terrorist action resets the value to 1. Ranges: 0 – 1, Mean: 0.394, Std: 0.241 ((Variable))</a:t>
+            </a:r>
+          </a:p>
+          <a:p>
+            <a:r>
+              <a:rPr lang="en-US" u="sng" dirty="0" smtClean="0"/>
+              <a:t>Current Aggression Level* (</a:t>
+            </a:r>
+            <a:r>
+              <a:rPr lang="en-US" u="sng" dirty="0" err="1" smtClean="0"/>
+              <a:t>crt_agr_lvl</a:t>
+            </a:r>
+            <a:r>
+              <a:rPr lang="en-US" u="sng" dirty="0" smtClean="0"/>
+              <a:t>)</a:t>
+            </a:r>
+            <a:r>
+              <a:rPr lang="en-US" dirty="0" smtClean="0"/>
+              <a:t>: Regardless of the agent’s natural aggressive tendencies, how currently aggressive is the agent. Fluctuates in response to outside forces and other variables. Ranges: 0 – 1, Mean: 0.543, Std: 0.258 ((Variable))</a:t>
             </a:r>
           </a:p>
         </p:txBody>
@@ -5575,6 +5645,98 @@
 </file>
 
 <file path=ppt/slides/slide7.xml><?xml version="1.0" encoding="utf-8"?>
+<p:sld xmlns:a="http://schemas.openxmlformats.org/drawingml/2006/main" xmlns:r="http://schemas.openxmlformats.org/officeDocument/2006/relationships" xmlns:p="http://schemas.openxmlformats.org/presentationml/2006/main">
+  <p:cSld>
+    <p:spTree>
+      <p:nvGrpSpPr>
+        <p:cNvPr id="1" name=""/>
+        <p:cNvGrpSpPr/>
+        <p:nvPr/>
+      </p:nvGrpSpPr>
+      <p:grpSpPr>
+        <a:xfrm>
+          <a:off x="0" y="0"/>
+          <a:ext cx="0" cy="0"/>
+          <a:chOff x="0" y="0"/>
+          <a:chExt cx="0" cy="0"/>
+        </a:xfrm>
+      </p:grpSpPr>
+      <p:sp>
+        <p:nvSpPr>
+          <p:cNvPr id="2" name="Title 1"/>
+          <p:cNvSpPr>
+            <a:spLocks noGrp="1"/>
+          </p:cNvSpPr>
+          <p:nvPr>
+            <p:ph type="title"/>
+          </p:nvPr>
+        </p:nvSpPr>
+        <p:spPr/>
+        <p:txBody>
+          <a:bodyPr/>
+          <a:lstStyle/>
+          <a:p>
+            <a:r>
+              <a:rPr lang="en-US" dirty="0" smtClean="0"/>
+              <a:t>What are we testing for?</a:t>
+            </a:r>
+            <a:endParaRPr lang="en-US" dirty="0"/>
+          </a:p>
+        </p:txBody>
+      </p:sp>
+      <p:sp>
+        <p:nvSpPr>
+          <p:cNvPr id="3" name="Content Placeholder 2"/>
+          <p:cNvSpPr>
+            <a:spLocks noGrp="1"/>
+          </p:cNvSpPr>
+          <p:nvPr>
+            <p:ph idx="1"/>
+          </p:nvPr>
+        </p:nvSpPr>
+        <p:spPr/>
+        <p:txBody>
+          <a:bodyPr/>
+          <a:lstStyle/>
+          <a:p>
+            <a:pPr>
+              <a:buNone/>
+            </a:pPr>
+            <a:r>
+              <a:rPr lang="en-US" dirty="0" smtClean="0"/>
+              <a:t>This dataset contains 2 possible outcomes, a categorical or a continuous outcome. </a:t>
+            </a:r>
+          </a:p>
+          <a:p>
+            <a:r>
+              <a:rPr lang="en-US" dirty="0" smtClean="0"/>
+              <a:t>Is the agent a current threat? This is a categorical label, 0 – No, 1 – Yes. Informative, but not very useful.</a:t>
+            </a:r>
+          </a:p>
+          <a:p>
+            <a:r>
+              <a:rPr lang="en-US" dirty="0" smtClean="0"/>
+              <a:t>What is the probability of being a threat? This is a continuous variable, ranging from 0 to 1. This is informative, and much more useful.</a:t>
+            </a:r>
+          </a:p>
+        </p:txBody>
+      </p:sp>
+    </p:spTree>
+  </p:cSld>
+  <p:clrMapOvr>
+    <a:masterClrMapping/>
+  </p:clrMapOvr>
+  <p:timing>
+    <p:tnLst>
+      <p:par>
+        <p:cTn id="1" dur="indefinite" restart="never" nodeType="tmRoot"/>
+      </p:par>
+    </p:tnLst>
+  </p:timing>
+</p:sld>
+</file>
+
+<file path=ppt/slides/slide8.xml><?xml version="1.0" encoding="utf-8"?>
 <p:sld xmlns:a="http://schemas.openxmlformats.org/drawingml/2006/main" xmlns:r="http://schemas.openxmlformats.org/officeDocument/2006/relationships" xmlns:p="http://schemas.openxmlformats.org/presentationml/2006/main">
   <p:cSld>
     <p:spTree>
@@ -5683,79 +5845,6 @@
 </p:sld>
 </file>
 
-<file path=ppt/slides/slide8.xml><?xml version="1.0" encoding="utf-8"?>
-<p:sld xmlns:a="http://schemas.openxmlformats.org/drawingml/2006/main" xmlns:r="http://schemas.openxmlformats.org/officeDocument/2006/relationships" xmlns:p="http://schemas.openxmlformats.org/presentationml/2006/main">
-  <p:cSld>
-    <p:spTree>
-      <p:nvGrpSpPr>
-        <p:cNvPr id="1" name=""/>
-        <p:cNvGrpSpPr/>
-        <p:nvPr/>
-      </p:nvGrpSpPr>
-      <p:grpSpPr>
-        <a:xfrm>
-          <a:off x="0" y="0"/>
-          <a:ext cx="0" cy="0"/>
-          <a:chOff x="0" y="0"/>
-          <a:chExt cx="0" cy="0"/>
-        </a:xfrm>
-      </p:grpSpPr>
-      <p:sp>
-        <p:nvSpPr>
-          <p:cNvPr id="2" name="Title 1"/>
-          <p:cNvSpPr>
-            <a:spLocks noGrp="1"/>
-          </p:cNvSpPr>
-          <p:nvPr>
-            <p:ph type="title"/>
-          </p:nvPr>
-        </p:nvSpPr>
-        <p:spPr/>
-        <p:txBody>
-          <a:bodyPr>
-            <a:normAutofit/>
-          </a:bodyPr>
-          <a:lstStyle/>
-          <a:p>
-            <a:r>
-              <a:rPr lang="en-US" dirty="0" smtClean="0"/>
-              <a:t>Choosing a model</a:t>
-            </a:r>
-            <a:endParaRPr lang="en-US" dirty="0"/>
-          </a:p>
-        </p:txBody>
-      </p:sp>
-      <p:pic>
-        <p:nvPicPr>
-          <p:cNvPr id="4" name="Content Placeholder 3" descr="rsquared.png"/>
-          <p:cNvPicPr>
-            <a:picLocks noGrp="1" noChangeAspect="1"/>
-          </p:cNvPicPr>
-          <p:nvPr>
-            <p:ph idx="1"/>
-          </p:nvPr>
-        </p:nvPicPr>
-        <p:blipFill>
-          <a:blip r:embed="rId2" cstate="print"/>
-          <a:stretch>
-            <a:fillRect/>
-          </a:stretch>
-        </p:blipFill>
-        <p:spPr>
-          <a:xfrm>
-            <a:off x="533400" y="2286000"/>
-            <a:ext cx="7928040" cy="3810000"/>
-          </a:xfrm>
-        </p:spPr>
-      </p:pic>
-    </p:spTree>
-  </p:cSld>
-  <p:clrMapOvr>
-    <a:masterClrMapping/>
-  </p:clrMapOvr>
-</p:sld>
-</file>
-
 <file path=ppt/slides/slide9.xml><?xml version="1.0" encoding="utf-8"?>
 <p:sld xmlns:a="http://schemas.openxmlformats.org/drawingml/2006/main" xmlns:r="http://schemas.openxmlformats.org/officeDocument/2006/relationships" xmlns:p="http://schemas.openxmlformats.org/presentationml/2006/main">
   <p:cSld>
@@ -5792,7 +5881,7 @@
           <a:p>
             <a:r>
               <a:rPr lang="en-US" dirty="0" smtClean="0"/>
-              <a:t>Narrowing it down</a:t>
+              <a:t>Choosing a model</a:t>
             </a:r>
             <a:endParaRPr lang="en-US" dirty="0"/>
           </a:p>
@@ -5800,7 +5889,7 @@
       </p:sp>
       <p:pic>
         <p:nvPicPr>
-          <p:cNvPr id="4" name="Content Placeholder 3" descr="regression.png"/>
+          <p:cNvPr id="4" name="Content Placeholder 3" descr="rsquared.png"/>
           <p:cNvPicPr>
             <a:picLocks noGrp="1" noChangeAspect="1"/>
           </p:cNvPicPr>
@@ -5816,8 +5905,8 @@
         </p:blipFill>
         <p:spPr>
           <a:xfrm>
-            <a:off x="228600" y="3124200"/>
-            <a:ext cx="8711999" cy="2286000"/>
+            <a:off x="533400" y="2286000"/>
+            <a:ext cx="7928040" cy="3810000"/>
           </a:xfrm>
         </p:spPr>
       </p:pic>
